--- a/SSP_ppt.pptx
+++ b/SSP_ppt.pptx
@@ -5,23 +5,29 @@
     <p:sldMasterId id="2147483712" r:id="rId4"/>
   </p:sldMasterIdLst>
   <p:notesMasterIdLst>
-    <p:notesMasterId r:id="rId19"/>
+    <p:notesMasterId r:id="rId25"/>
   </p:notesMasterIdLst>
   <p:sldIdLst>
     <p:sldId id="256" r:id="rId5"/>
     <p:sldId id="2146847054" r:id="rId6"/>
     <p:sldId id="262" r:id="rId7"/>
     <p:sldId id="265" r:id="rId8"/>
-    <p:sldId id="266" r:id="rId9"/>
-    <p:sldId id="267" r:id="rId10"/>
-    <p:sldId id="2146847056" r:id="rId11"/>
-    <p:sldId id="2146847057" r:id="rId12"/>
-    <p:sldId id="2146847058" r:id="rId13"/>
-    <p:sldId id="2146847059" r:id="rId14"/>
-    <p:sldId id="268" r:id="rId15"/>
-    <p:sldId id="2146847055" r:id="rId16"/>
-    <p:sldId id="269" r:id="rId17"/>
-    <p:sldId id="259" r:id="rId18"/>
+    <p:sldId id="2146847060" r:id="rId9"/>
+    <p:sldId id="2146847061" r:id="rId10"/>
+    <p:sldId id="2146847062" r:id="rId11"/>
+    <p:sldId id="2146847063" r:id="rId12"/>
+    <p:sldId id="2146847064" r:id="rId13"/>
+    <p:sldId id="2146847065" r:id="rId14"/>
+    <p:sldId id="266" r:id="rId15"/>
+    <p:sldId id="267" r:id="rId16"/>
+    <p:sldId id="2146847056" r:id="rId17"/>
+    <p:sldId id="2146847057" r:id="rId18"/>
+    <p:sldId id="2146847058" r:id="rId19"/>
+    <p:sldId id="2146847059" r:id="rId20"/>
+    <p:sldId id="268" r:id="rId21"/>
+    <p:sldId id="2146847055" r:id="rId22"/>
+    <p:sldId id="269" r:id="rId23"/>
+    <p:sldId id="259" r:id="rId24"/>
   </p:sldIdLst>
   <p:sldSz cx="12192000" cy="6858000"/>
   <p:notesSz cx="6858000" cy="9144000"/>
@@ -122,7 +128,7 @@
   </p:defaultTextStyle>
   <p:extLst>
     <p:ext uri="{EFAFB233-063F-42B5-8137-9DF3F51BA10A}">
-      <p15:sldGuideLst xmlns:p15="http://schemas.microsoft.com/office/powerpoint/2012/main" xmlns="">
+      <p15:sldGuideLst xmlns="" xmlns:p15="http://schemas.microsoft.com/office/powerpoint/2012/main">
         <p15:guide id="1" orient="horz" pos="2160">
           <p15:clr>
             <a:srgbClr val="A4A3A4"/>
@@ -229,7 +235,7 @@
           <a:p>
             <a:fld id="{46256A78-79A6-408F-8148-4F87BB81602D}" type="datetimeFigureOut">
               <a:rPr lang="en-IN" smtClean="0"/>
-              <a:t>22-09-2025</a:t>
+              <a:t>24-09-2025</a:t>
             </a:fld>
             <a:endParaRPr lang="en-IN"/>
           </a:p>
@@ -715,7 +721,7 @@
           <p:cNvPr id="8" name="Date Placeholder 7">
             <a:extLst>
               <a:ext uri="{FF2B5EF4-FFF2-40B4-BE49-F238E27FC236}">
-                <a16:creationId xmlns:a16="http://schemas.microsoft.com/office/drawing/2014/main" xmlns="" id="{7FA0ACE7-29A8-47D3-A7D9-257B711D8023}"/>
+                <a16:creationId xmlns="" xmlns:a16="http://schemas.microsoft.com/office/drawing/2014/main" id="{7FA0ACE7-29A8-47D3-A7D9-257B711D8023}"/>
               </a:ext>
             </a:extLst>
           </p:cNvPr>
@@ -733,7 +739,7 @@
           <a:p>
             <a:fld id="{ED291B17-9318-49DB-B28B-6E5994AE9581}" type="datetime1">
               <a:rPr lang="en-US" smtClean="0"/>
-              <a:t>9/22/2025</a:t>
+              <a:t>9/24/2025</a:t>
             </a:fld>
             <a:endParaRPr lang="en-US"/>
           </a:p>
@@ -744,7 +750,7 @@
           <p:cNvPr id="9" name="Footer Placeholder 8">
             <a:extLst>
               <a:ext uri="{FF2B5EF4-FFF2-40B4-BE49-F238E27FC236}">
-                <a16:creationId xmlns:a16="http://schemas.microsoft.com/office/drawing/2014/main" xmlns="" id="{DEC604B9-52E9-4810-8359-47206518D038}"/>
+                <a16:creationId xmlns="" xmlns:a16="http://schemas.microsoft.com/office/drawing/2014/main" id="{DEC604B9-52E9-4810-8359-47206518D038}"/>
               </a:ext>
             </a:extLst>
           </p:cNvPr>
@@ -777,7 +783,7 @@
           <p:cNvPr id="10" name="Slide Number Placeholder 9">
             <a:extLst>
               <a:ext uri="{FF2B5EF4-FFF2-40B4-BE49-F238E27FC236}">
-                <a16:creationId xmlns:a16="http://schemas.microsoft.com/office/drawing/2014/main" xmlns="" id="{5898A89F-CA25-400F-B05A-AECBF2517E4F}"/>
+                <a16:creationId xmlns="" xmlns:a16="http://schemas.microsoft.com/office/drawing/2014/main" id="{5898A89F-CA25-400F-B05A-AECBF2517E4F}"/>
               </a:ext>
             </a:extLst>
           </p:cNvPr>
@@ -942,7 +948,7 @@
           <a:p>
             <a:fld id="{2CED4963-E985-44C4-B8C4-FDD613B7C2F8}" type="datetime1">
               <a:rPr lang="en-US" smtClean="0"/>
-              <a:t>9/22/2025</a:t>
+              <a:t>9/24/2025</a:t>
             </a:fld>
             <a:endParaRPr lang="en-US"/>
           </a:p>
@@ -1163,7 +1169,7 @@
           <p:cNvPr id="8" name="Rectangle 7">
             <a:extLst>
               <a:ext uri="{FF2B5EF4-FFF2-40B4-BE49-F238E27FC236}">
-                <a16:creationId xmlns:a16="http://schemas.microsoft.com/office/drawing/2014/main" xmlns="" id="{F6423B97-A5D4-47B9-8861-73B3707A04CF}"/>
+                <a16:creationId xmlns="" xmlns:a16="http://schemas.microsoft.com/office/drawing/2014/main" id="{F6423B97-A5D4-47B9-8861-73B3707A04CF}"/>
               </a:ext>
             </a:extLst>
           </p:cNvPr>
@@ -1206,7 +1212,7 @@
           <p:cNvPr id="9" name="Rectangle 8">
             <a:extLst>
               <a:ext uri="{FF2B5EF4-FFF2-40B4-BE49-F238E27FC236}">
-                <a16:creationId xmlns:a16="http://schemas.microsoft.com/office/drawing/2014/main" xmlns="" id="{1AEC0421-37B4-4481-A10D-69FDF5EC7909}"/>
+                <a16:creationId xmlns="" xmlns:a16="http://schemas.microsoft.com/office/drawing/2014/main" id="{1AEC0421-37B4-4481-A10D-69FDF5EC7909}"/>
               </a:ext>
             </a:extLst>
           </p:cNvPr>
@@ -1249,7 +1255,7 @@
           <p:cNvPr id="10" name="Rectangle 9">
             <a:extLst>
               <a:ext uri="{FF2B5EF4-FFF2-40B4-BE49-F238E27FC236}">
-                <a16:creationId xmlns:a16="http://schemas.microsoft.com/office/drawing/2014/main" xmlns="" id="{5F7265B5-9F97-4F1E-99E9-74F7B7E62337}"/>
+                <a16:creationId xmlns="" xmlns:a16="http://schemas.microsoft.com/office/drawing/2014/main" id="{5F7265B5-9F97-4F1E-99E9-74F7B7E62337}"/>
               </a:ext>
             </a:extLst>
           </p:cNvPr>
@@ -1292,7 +1298,7 @@
           <p:cNvPr id="11" name="Date Placeholder 10">
             <a:extLst>
               <a:ext uri="{FF2B5EF4-FFF2-40B4-BE49-F238E27FC236}">
-                <a16:creationId xmlns:a16="http://schemas.microsoft.com/office/drawing/2014/main" xmlns="" id="{5C74A470-3BD3-4F33-80E5-67E6E87FCBE7}"/>
+                <a16:creationId xmlns="" xmlns:a16="http://schemas.microsoft.com/office/drawing/2014/main" id="{5C74A470-3BD3-4F33-80E5-67E6E87FCBE7}"/>
               </a:ext>
             </a:extLst>
           </p:cNvPr>
@@ -1310,7 +1316,7 @@
           <a:p>
             <a:fld id="{ED291B17-9318-49DB-B28B-6E5994AE9581}" type="datetime1">
               <a:rPr lang="en-US" smtClean="0"/>
-              <a:t>9/22/2025</a:t>
+              <a:t>9/24/2025</a:t>
             </a:fld>
             <a:endParaRPr lang="en-US"/>
           </a:p>
@@ -1321,7 +1327,7 @@
           <p:cNvPr id="12" name="Footer Placeholder 11">
             <a:extLst>
               <a:ext uri="{FF2B5EF4-FFF2-40B4-BE49-F238E27FC236}">
-                <a16:creationId xmlns:a16="http://schemas.microsoft.com/office/drawing/2014/main" xmlns="" id="{9A3A30BA-DB50-4D7D-BCDE-17D20FB354DF}"/>
+                <a16:creationId xmlns="" xmlns:a16="http://schemas.microsoft.com/office/drawing/2014/main" id="{9A3A30BA-DB50-4D7D-BCDE-17D20FB354DF}"/>
               </a:ext>
             </a:extLst>
           </p:cNvPr>
@@ -1354,7 +1360,7 @@
           <p:cNvPr id="13" name="Slide Number Placeholder 12">
             <a:extLst>
               <a:ext uri="{FF2B5EF4-FFF2-40B4-BE49-F238E27FC236}">
-                <a16:creationId xmlns:a16="http://schemas.microsoft.com/office/drawing/2014/main" xmlns="" id="{76FF9E58-C0B2-436B-A21C-DB45A00D6515}"/>
+                <a16:creationId xmlns="" xmlns:a16="http://schemas.microsoft.com/office/drawing/2014/main" id="{76FF9E58-C0B2-436B-A21C-DB45A00D6515}"/>
               </a:ext>
             </a:extLst>
           </p:cNvPr>
@@ -1496,7 +1502,7 @@
           <p:cNvPr id="8" name="Date Placeholder 7">
             <a:extLst>
               <a:ext uri="{FF2B5EF4-FFF2-40B4-BE49-F238E27FC236}">
-                <a16:creationId xmlns:a16="http://schemas.microsoft.com/office/drawing/2014/main" xmlns="" id="{770E6237-3456-439F-802D-3BA93FC7E3E5}"/>
+                <a16:creationId xmlns="" xmlns:a16="http://schemas.microsoft.com/office/drawing/2014/main" id="{770E6237-3456-439F-802D-3BA93FC7E3E5}"/>
               </a:ext>
             </a:extLst>
           </p:cNvPr>
@@ -1514,7 +1520,7 @@
           <a:p>
             <a:fld id="{78DD82B9-B8EE-4375-B6FF-88FA6ABB15D9}" type="datetime1">
               <a:rPr lang="en-US" smtClean="0"/>
-              <a:t>9/22/2025</a:t>
+              <a:t>9/24/2025</a:t>
             </a:fld>
             <a:endParaRPr lang="en-US"/>
           </a:p>
@@ -1753,7 +1759,7 @@
           <p:cNvPr id="7" name="Date Placeholder 6">
             <a:extLst>
               <a:ext uri="{FF2B5EF4-FFF2-40B4-BE49-F238E27FC236}">
-                <a16:creationId xmlns:a16="http://schemas.microsoft.com/office/drawing/2014/main" xmlns="" id="{61582016-5696-4A93-887F-BBB3B9002FE5}"/>
+                <a16:creationId xmlns="" xmlns:a16="http://schemas.microsoft.com/office/drawing/2014/main" id="{61582016-5696-4A93-887F-BBB3B9002FE5}"/>
               </a:ext>
             </a:extLst>
           </p:cNvPr>
@@ -1771,7 +1777,7 @@
           <a:p>
             <a:fld id="{B2497495-0637-405E-AE64-5CC7506D51F5}" type="datetime1">
               <a:rPr lang="en-US" smtClean="0"/>
-              <a:t>9/22/2025</a:t>
+              <a:t>9/24/2025</a:t>
             </a:fld>
             <a:endParaRPr lang="en-US"/>
           </a:p>
@@ -1782,7 +1788,7 @@
           <p:cNvPr id="9" name="Footer Placeholder 8">
             <a:extLst>
               <a:ext uri="{FF2B5EF4-FFF2-40B4-BE49-F238E27FC236}">
-                <a16:creationId xmlns:a16="http://schemas.microsoft.com/office/drawing/2014/main" xmlns="" id="{857CFCD5-1192-4E18-8A8F-29E153B44DA4}"/>
+                <a16:creationId xmlns="" xmlns:a16="http://schemas.microsoft.com/office/drawing/2014/main" id="{857CFCD5-1192-4E18-8A8F-29E153B44DA4}"/>
               </a:ext>
             </a:extLst>
           </p:cNvPr>
@@ -1815,7 +1821,7 @@
           <p:cNvPr id="10" name="Slide Number Placeholder 9">
             <a:extLst>
               <a:ext uri="{FF2B5EF4-FFF2-40B4-BE49-F238E27FC236}">
-                <a16:creationId xmlns:a16="http://schemas.microsoft.com/office/drawing/2014/main" xmlns="" id="{E39A109E-5018-4794-92B3-FD5E5BCD95E8}"/>
+                <a16:creationId xmlns="" xmlns:a16="http://schemas.microsoft.com/office/drawing/2014/main" id="{E39A109E-5018-4794-92B3-FD5E5BCD95E8}"/>
               </a:ext>
             </a:extLst>
           </p:cNvPr>
@@ -2029,7 +2035,7 @@
           <a:p>
             <a:fld id="{7BFFD690-9426-415D-8B65-26881E07B2D4}" type="datetime1">
               <a:rPr lang="en-US" smtClean="0"/>
-              <a:t>9/22/2025</a:t>
+              <a:t>9/24/2025</a:t>
             </a:fld>
             <a:endParaRPr lang="en-US"/>
           </a:p>
@@ -2456,7 +2462,7 @@
           <a:p>
             <a:fld id="{04C4989A-474C-40DE-95B9-011C28B71673}" type="datetime1">
               <a:rPr lang="en-US" smtClean="0"/>
-              <a:t>9/22/2025</a:t>
+              <a:t>9/24/2025</a:t>
             </a:fld>
             <a:endParaRPr lang="en-US"/>
           </a:p>
@@ -2586,7 +2592,7 @@
           <a:p>
             <a:fld id="{5DB4ED54-5B5E-4A04-93D3-5772E3CE3818}" type="datetime1">
               <a:rPr lang="en-US" smtClean="0"/>
-              <a:t>9/22/2025</a:t>
+              <a:t>9/24/2025</a:t>
             </a:fld>
             <a:endParaRPr lang="en-US"/>
           </a:p>
@@ -2689,7 +2695,7 @@
           <a:p>
             <a:fld id="{4EDE50D6-574B-40AF-946F-D52A04ADE379}" type="datetime1">
               <a:rPr lang="en-US" smtClean="0"/>
-              <a:t>9/22/2025</a:t>
+              <a:t>9/24/2025</a:t>
             </a:fld>
             <a:endParaRPr lang="en-US"/>
           </a:p>
@@ -3049,7 +3055,7 @@
           <p:cNvPr id="8" name="Date Placeholder 7">
             <a:extLst>
               <a:ext uri="{FF2B5EF4-FFF2-40B4-BE49-F238E27FC236}">
-                <a16:creationId xmlns:a16="http://schemas.microsoft.com/office/drawing/2014/main" xmlns="" id="{0B919CC2-2A65-446F-B538-9E6249035445}"/>
+                <a16:creationId xmlns="" xmlns:a16="http://schemas.microsoft.com/office/drawing/2014/main" id="{0B919CC2-2A65-446F-B538-9E6249035445}"/>
               </a:ext>
             </a:extLst>
           </p:cNvPr>
@@ -3072,7 +3078,7 @@
           <a:p>
             <a:fld id="{D82884F1-FFEA-405F-9602-3DCA865EDA4E}" type="datetime1">
               <a:rPr lang="en-US" smtClean="0"/>
-              <a:t>9/22/2025</a:t>
+              <a:t>9/24/2025</a:t>
             </a:fld>
             <a:endParaRPr lang="en-US"/>
           </a:p>
@@ -3083,7 +3089,7 @@
           <p:cNvPr id="10" name="Footer Placeholder 9">
             <a:extLst>
               <a:ext uri="{FF2B5EF4-FFF2-40B4-BE49-F238E27FC236}">
-                <a16:creationId xmlns:a16="http://schemas.microsoft.com/office/drawing/2014/main" xmlns="" id="{B72412AE-119E-4982-8B24-63365EFCA796}"/>
+                <a16:creationId xmlns="" xmlns:a16="http://schemas.microsoft.com/office/drawing/2014/main" id="{B72412AE-119E-4982-8B24-63365EFCA796}"/>
               </a:ext>
             </a:extLst>
           </p:cNvPr>
@@ -3116,7 +3122,7 @@
           <p:cNvPr id="11" name="Slide Number Placeholder 10">
             <a:extLst>
               <a:ext uri="{FF2B5EF4-FFF2-40B4-BE49-F238E27FC236}">
-                <a16:creationId xmlns:a16="http://schemas.microsoft.com/office/drawing/2014/main" xmlns="" id="{7FC4BB19-6AD1-45CF-9F99-00B109890FAB}"/>
+                <a16:creationId xmlns="" xmlns:a16="http://schemas.microsoft.com/office/drawing/2014/main" id="{7FC4BB19-6AD1-45CF-9F99-00B109890FAB}"/>
               </a:ext>
             </a:extLst>
           </p:cNvPr>
@@ -3366,7 +3372,7 @@
           <a:p>
             <a:fld id="{7E18DB4A-8810-4A10-AD5C-D5E2C667F5B3}" type="datetime1">
               <a:rPr lang="en-US" smtClean="0"/>
-              <a:t>9/22/2025</a:t>
+              <a:t>9/24/2025</a:t>
             </a:fld>
             <a:endParaRPr lang="en-US"/>
           </a:p>
@@ -3587,7 +3593,7 @@
           <a:p>
             <a:fld id="{ED291B17-9318-49DB-B28B-6E5994AE9581}" type="datetime1">
               <a:rPr lang="en-US" smtClean="0"/>
-              <a:t>9/22/2025</a:t>
+              <a:t>9/24/2025</a:t>
             </a:fld>
             <a:endParaRPr lang="en-US"/>
           </a:p>
@@ -3751,7 +3757,7 @@
           <p:cNvPr id="8" name="Picture 7" descr="Logo&#10;&#10;Description automatically generated">
             <a:extLst>
               <a:ext uri="{FF2B5EF4-FFF2-40B4-BE49-F238E27FC236}">
-                <a16:creationId xmlns:a16="http://schemas.microsoft.com/office/drawing/2014/main" xmlns="" id="{14A64E4D-8DED-7830-2955-1BE78C5B0655}"/>
+                <a16:creationId xmlns="" xmlns:a16="http://schemas.microsoft.com/office/drawing/2014/main" id="{14A64E4D-8DED-7830-2955-1BE78C5B0655}"/>
               </a:ext>
             </a:extLst>
           </p:cNvPr>
@@ -4216,7 +4222,7 @@
           <p:cNvPr id="2" name="Title 1">
             <a:extLst>
               <a:ext uri="{FF2B5EF4-FFF2-40B4-BE49-F238E27FC236}">
-                <a16:creationId xmlns:a16="http://schemas.microsoft.com/office/drawing/2014/main" xmlns="" id="{A8A11E26-4C38-41A6-9857-11032CEECD80}"/>
+                <a16:creationId xmlns="" xmlns:a16="http://schemas.microsoft.com/office/drawing/2014/main" id="{A8A11E26-4C38-41A6-9857-11032CEECD80}"/>
               </a:ext>
             </a:extLst>
           </p:cNvPr>
@@ -4425,6 +4431,1047 @@
 </file>
 
 <file path=ppt/slides/slide10.xml><?xml version="1.0" encoding="utf-8"?>
+<p:sld xmlns:a="http://schemas.openxmlformats.org/drawingml/2006/main" xmlns:r="http://schemas.openxmlformats.org/officeDocument/2006/relationships" xmlns:p="http://schemas.openxmlformats.org/presentationml/2006/main">
+  <p:cSld>
+    <p:spTree>
+      <p:nvGrpSpPr>
+        <p:cNvPr id="1" name=""/>
+        <p:cNvGrpSpPr/>
+        <p:nvPr/>
+      </p:nvGrpSpPr>
+      <p:grpSpPr>
+        <a:xfrm>
+          <a:off x="0" y="0"/>
+          <a:ext cx="0" cy="0"/>
+          <a:chOff x="0" y="0"/>
+          <a:chExt cx="0" cy="0"/>
+        </a:xfrm>
+      </p:grpSpPr>
+      <p:sp>
+        <p:nvSpPr>
+          <p:cNvPr id="2" name="Title 1"/>
+          <p:cNvSpPr>
+            <a:spLocks noGrp="1"/>
+          </p:cNvSpPr>
+          <p:nvPr>
+            <p:ph type="title"/>
+          </p:nvPr>
+        </p:nvSpPr>
+        <p:spPr/>
+        <p:txBody>
+          <a:bodyPr/>
+          <a:lstStyle/>
+          <a:p>
+            <a:r>
+              <a:rPr lang="en-IN" dirty="0"/>
+              <a:t>Deployment (</a:t>
+            </a:r>
+            <a:r>
+              <a:rPr lang="en-IN" dirty="0" err="1"/>
+              <a:t>GitHub</a:t>
+            </a:r>
+            <a:r>
+              <a:rPr lang="en-IN" dirty="0"/>
+              <a:t> Pages / </a:t>
+            </a:r>
+            <a:r>
+              <a:rPr lang="en-IN" dirty="0" err="1"/>
+              <a:t>Netlify</a:t>
+            </a:r>
+            <a:r>
+              <a:rPr lang="en-IN" dirty="0"/>
+              <a:t>)</a:t>
+            </a:r>
+          </a:p>
+        </p:txBody>
+      </p:sp>
+      <p:sp>
+        <p:nvSpPr>
+          <p:cNvPr id="3" name="Content Placeholder 2"/>
+          <p:cNvSpPr>
+            <a:spLocks noGrp="1"/>
+          </p:cNvSpPr>
+          <p:nvPr>
+            <p:ph idx="1"/>
+          </p:nvPr>
+        </p:nvSpPr>
+        <p:spPr/>
+        <p:txBody>
+          <a:bodyPr/>
+          <a:lstStyle/>
+          <a:p>
+            <a:r>
+              <a:rPr lang="en-GB" b="1" dirty="0" err="1"/>
+              <a:t>GitHub</a:t>
+            </a:r>
+            <a:r>
+              <a:rPr lang="en-GB" b="1" dirty="0"/>
+              <a:t> Pages</a:t>
+            </a:r>
+            <a:r>
+              <a:rPr lang="en-GB" dirty="0"/>
+              <a:t>: Free hosting directly from your </a:t>
+            </a:r>
+            <a:r>
+              <a:rPr lang="en-GB" dirty="0" err="1"/>
+              <a:t>GitHub</a:t>
+            </a:r>
+            <a:r>
+              <a:rPr lang="en-GB" dirty="0"/>
+              <a:t> repository.</a:t>
+            </a:r>
+          </a:p>
+          <a:p>
+            <a:r>
+              <a:rPr lang="en-GB" b="1" dirty="0" err="1"/>
+              <a:t>Netlify</a:t>
+            </a:r>
+            <a:r>
+              <a:rPr lang="en-GB" dirty="0"/>
+              <a:t>: Easy drag-and-drop deployment or Git integration.</a:t>
+            </a:r>
+          </a:p>
+          <a:p>
+            <a:r>
+              <a:rPr lang="en-GB" b="1" dirty="0"/>
+              <a:t>Role</a:t>
+            </a:r>
+            <a:r>
+              <a:rPr lang="en-GB" dirty="0"/>
+              <a:t>: Makes the planner accessible online without paid servers.</a:t>
+            </a:r>
+          </a:p>
+          <a:p>
+            <a:r>
+              <a:rPr lang="en-GB" b="1" dirty="0"/>
+              <a:t>Advantages</a:t>
+            </a:r>
+            <a:r>
+              <a:rPr lang="en-GB" dirty="0"/>
+              <a:t>:</a:t>
+            </a:r>
+          </a:p>
+          <a:p>
+            <a:pPr lvl="1"/>
+            <a:r>
+              <a:rPr lang="en-GB" dirty="0"/>
+              <a:t>Free &amp; reliable hosting</a:t>
+            </a:r>
+          </a:p>
+          <a:p>
+            <a:pPr lvl="1"/>
+            <a:r>
+              <a:rPr lang="en-GB" dirty="0"/>
+              <a:t>Continuous deployment with Git updates</a:t>
+            </a:r>
+          </a:p>
+          <a:p>
+            <a:pPr lvl="1"/>
+            <a:r>
+              <a:rPr lang="en-GB" dirty="0"/>
+              <a:t>Supports custom domains</a:t>
+            </a:r>
+          </a:p>
+          <a:p>
+            <a:endParaRPr lang="en-IN" dirty="0"/>
+          </a:p>
+        </p:txBody>
+      </p:sp>
+    </p:spTree>
+    <p:extLst>
+      <p:ext uri="{BB962C8B-B14F-4D97-AF65-F5344CB8AC3E}">
+        <p14:creationId xmlns:p14="http://schemas.microsoft.com/office/powerpoint/2010/main" val="798594769"/>
+      </p:ext>
+    </p:extLst>
+  </p:cSld>
+  <p:clrMapOvr>
+    <a:masterClrMapping/>
+  </p:clrMapOvr>
+</p:sld>
+</file>
+
+<file path=ppt/slides/slide11.xml><?xml version="1.0" encoding="utf-8"?>
+<p:sld xmlns:a="http://schemas.openxmlformats.org/drawingml/2006/main" xmlns:r="http://schemas.openxmlformats.org/officeDocument/2006/relationships" xmlns:p="http://schemas.openxmlformats.org/presentationml/2006/main">
+  <p:cSld>
+    <p:spTree>
+      <p:nvGrpSpPr>
+        <p:cNvPr id="1" name=""/>
+        <p:cNvGrpSpPr/>
+        <p:nvPr/>
+      </p:nvGrpSpPr>
+      <p:grpSpPr>
+        <a:xfrm>
+          <a:off x="0" y="0"/>
+          <a:ext cx="0" cy="0"/>
+          <a:chOff x="0" y="0"/>
+          <a:chExt cx="0" cy="0"/>
+        </a:xfrm>
+      </p:grpSpPr>
+      <p:sp>
+        <p:nvSpPr>
+          <p:cNvPr id="5" name="Title 4">
+            <a:extLst>
+              <a:ext uri="{FF2B5EF4-FFF2-40B4-BE49-F238E27FC236}">
+                <a16:creationId xmlns="" xmlns:a16="http://schemas.microsoft.com/office/drawing/2014/main" id="{8FBA75B4-2DD5-42EB-9397-F36BFB8BA723}"/>
+              </a:ext>
+            </a:extLst>
+          </p:cNvPr>
+          <p:cNvSpPr>
+            <a:spLocks noGrp="1"/>
+          </p:cNvSpPr>
+          <p:nvPr>
+            <p:ph type="title"/>
+          </p:nvPr>
+        </p:nvSpPr>
+        <p:spPr/>
+        <p:txBody>
+          <a:bodyPr>
+            <a:normAutofit fontScale="90000"/>
+          </a:bodyPr>
+          <a:lstStyle/>
+          <a:p>
+            <a:r>
+              <a:rPr lang="en-US" sz="4400" b="1" dirty="0">
+                <a:solidFill>
+                  <a:schemeClr val="accent1"/>
+                </a:solidFill>
+                <a:latin typeface="Arial"/>
+                <a:ea typeface="+mj-lt"/>
+                <a:cs typeface="Arial"/>
+              </a:rPr>
+              <a:t>Algorithm &amp; Deployment</a:t>
+            </a:r>
+            <a:endParaRPr lang="en-US" dirty="0"/>
+          </a:p>
+        </p:txBody>
+      </p:sp>
+      <p:sp>
+        <p:nvSpPr>
+          <p:cNvPr id="3" name="Rectangle 1">
+            <a:extLst>
+              <a:ext uri="{FF2B5EF4-FFF2-40B4-BE49-F238E27FC236}">
+                <a16:creationId xmlns="" xmlns:a16="http://schemas.microsoft.com/office/drawing/2014/main" id="{2A13D4AF-BC64-937B-E983-E2F50E4F343E}"/>
+              </a:ext>
+            </a:extLst>
+          </p:cNvPr>
+          <p:cNvSpPr>
+            <a:spLocks noGrp="1" noChangeArrowheads="1"/>
+          </p:cNvSpPr>
+          <p:nvPr>
+            <p:ph idx="1"/>
+          </p:nvPr>
+        </p:nvSpPr>
+        <p:spPr bwMode="auto">
+          <a:xfrm>
+            <a:off x="581192" y="2682400"/>
+            <a:ext cx="11165331" cy="2803844"/>
+          </a:xfrm>
+          <a:prstGeom prst="rect">
+            <a:avLst/>
+          </a:prstGeom>
+          <a:noFill/>
+          <a:ln>
+            <a:noFill/>
+          </a:ln>
+          <a:effectLst/>
+          <a:extLst>
+            <a:ext uri="{909E8E84-426E-40DD-AFC4-6F175D3DCCD1}">
+              <a14:hiddenFill xmlns:a14="http://schemas.microsoft.com/office/drawing/2010/main">
+                <a:solidFill>
+                  <a:schemeClr val="accent1"/>
+                </a:solidFill>
+              </a14:hiddenFill>
+            </a:ext>
+            <a:ext uri="{91240B29-F687-4F45-9708-019B960494DF}">
+              <a14:hiddenLine xmlns:a14="http://schemas.microsoft.com/office/drawing/2010/main" w="9525">
+                <a:solidFill>
+                  <a:schemeClr val="tx1"/>
+                </a:solidFill>
+                <a:miter lim="800000"/>
+                <a:headEnd/>
+                <a:tailEnd/>
+              </a14:hiddenLine>
+            </a:ext>
+            <a:ext uri="{AF507438-7753-43E0-B8FC-AC1667EBCBE1}">
+              <a14:hiddenEffects xmlns:a14="http://schemas.microsoft.com/office/drawing/2010/main">
+                <a:effectLst>
+                  <a:outerShdw dist="35921" dir="2700000" algn="ctr" rotWithShape="0">
+                    <a:schemeClr val="bg2"/>
+                  </a:outerShdw>
+                </a:effectLst>
+              </a14:hiddenEffects>
+            </a:ext>
+          </a:extLst>
+        </p:spPr>
+        <p:txBody>
+          <a:bodyPr vert="horz" wrap="square" lIns="91440" tIns="45720" rIns="91440" bIns="45720" numCol="1" anchor="ctr" anchorCtr="0" compatLnSpc="1">
+            <a:prstTxWarp prst="textNoShape">
+              <a:avLst/>
+            </a:prstTxWarp>
+            <a:spAutoFit/>
+          </a:bodyPr>
+          <a:lstStyle/>
+          <a:p>
+            <a:r>
+              <a:rPr lang="en-GB" sz="1800" b="1" dirty="0"/>
+              <a:t>Product </a:t>
+            </a:r>
+            <a:r>
+              <a:rPr lang="en-GB" sz="1800" b="1" dirty="0" err="1"/>
+              <a:t>Catalog</a:t>
+            </a:r>
+            <a:r>
+              <a:rPr lang="en-GB" sz="1800" b="1" dirty="0"/>
+              <a:t> Creation:</a:t>
+            </a:r>
+            <a:r>
+              <a:rPr lang="en-GB" sz="1800" dirty="0"/>
+              <a:t> Define and organize products with images, prices, and descriptions for easy display.</a:t>
+            </a:r>
+          </a:p>
+          <a:p>
+            <a:r>
+              <a:rPr lang="en-GB" sz="1800" b="1" dirty="0"/>
+              <a:t>Frontend Design:</a:t>
+            </a:r>
+            <a:r>
+              <a:rPr lang="en-GB" sz="1800" dirty="0"/>
+              <a:t> Create a visually appealing layout using HTML and CSS grids/cards for product presentation.</a:t>
+            </a:r>
+          </a:p>
+          <a:p>
+            <a:r>
+              <a:rPr lang="en-GB" sz="1800" b="1" dirty="0"/>
+              <a:t>Interactive Features:</a:t>
+            </a:r>
+            <a:r>
+              <a:rPr lang="en-GB" sz="1800" dirty="0"/>
+              <a:t> Implement Add-to-Cart, Remove-from-Cart, real-time total calculation, filtering, </a:t>
+            </a:r>
+            <a:r>
+              <a:rPr lang="en-GB" sz="1800" dirty="0" smtClean="0"/>
+              <a:t/>
+            </a:r>
+            <a:br>
+              <a:rPr lang="en-GB" sz="1800" dirty="0" smtClean="0"/>
+            </a:br>
+            <a:r>
+              <a:rPr lang="en-GB" sz="1800" dirty="0" smtClean="0"/>
+              <a:t>                                    and </a:t>
+            </a:r>
+            <a:r>
+              <a:rPr lang="en-GB" sz="1800" dirty="0"/>
+              <a:t>modal product views using JavaScript.</a:t>
+            </a:r>
+          </a:p>
+          <a:p>
+            <a:r>
+              <a:rPr lang="en-GB" sz="1800" b="1" dirty="0"/>
+              <a:t>Testing:</a:t>
+            </a:r>
+            <a:r>
+              <a:rPr lang="en-GB" sz="1800" dirty="0"/>
+              <a:t> Ensure cross-browser compatibility and mobile responsiveness for smooth user experience.</a:t>
+            </a:r>
+          </a:p>
+          <a:p>
+            <a:r>
+              <a:rPr lang="en-GB" sz="1800" b="1" dirty="0"/>
+              <a:t>Deployment:</a:t>
+            </a:r>
+            <a:r>
+              <a:rPr lang="en-GB" sz="1800" dirty="0"/>
+              <a:t> Publish the project online using </a:t>
+            </a:r>
+            <a:r>
+              <a:rPr lang="en-GB" sz="1800" dirty="0" err="1"/>
+              <a:t>GitHub</a:t>
+            </a:r>
+            <a:r>
+              <a:rPr lang="en-GB" sz="1800" dirty="0"/>
+              <a:t> Pages or </a:t>
+            </a:r>
+            <a:r>
+              <a:rPr lang="en-GB" sz="1800" dirty="0" err="1"/>
+              <a:t>Netlify</a:t>
+            </a:r>
+            <a:r>
+              <a:rPr lang="en-GB" sz="1800" dirty="0"/>
+              <a:t> for free and accessible hosting.</a:t>
+            </a:r>
+          </a:p>
+          <a:p>
+            <a:pPr marL="0" marR="0" lvl="0" indent="0" algn="l" defTabSz="914400" rtl="0" eaLnBrk="0" fontAlgn="base" latinLnBrk="0" hangingPunct="0">
+              <a:lnSpc>
+                <a:spcPct val="100000"/>
+              </a:lnSpc>
+              <a:spcBef>
+                <a:spcPct val="0"/>
+              </a:spcBef>
+              <a:spcAft>
+                <a:spcPct val="0"/>
+              </a:spcAft>
+              <a:buClrTx/>
+              <a:buSzTx/>
+              <a:buFontTx/>
+              <a:buNone/>
+              <a:tabLst/>
+            </a:pPr>
+            <a:endParaRPr kumimoji="0" lang="en-US" altLang="en-US" sz="1800" b="0" i="0" u="none" strike="noStrike" cap="none" normalizeH="0" baseline="0" dirty="0">
+              <a:ln>
+                <a:noFill/>
+              </a:ln>
+              <a:solidFill>
+                <a:schemeClr val="tx1"/>
+              </a:solidFill>
+              <a:effectLst/>
+              <a:latin typeface="Arial" panose="020B0604020202020204" pitchFamily="34" charset="0"/>
+            </a:endParaRPr>
+          </a:p>
+        </p:txBody>
+      </p:sp>
+    </p:spTree>
+    <p:extLst>
+      <p:ext uri="{BB962C8B-B14F-4D97-AF65-F5344CB8AC3E}">
+        <p14:creationId xmlns:p14="http://schemas.microsoft.com/office/powerpoint/2010/main" val="4154508776"/>
+      </p:ext>
+    </p:extLst>
+  </p:cSld>
+  <p:clrMapOvr>
+    <a:masterClrMapping/>
+  </p:clrMapOvr>
+  <p:timing>
+    <p:tnLst>
+      <p:par>
+        <p:cTn id="1" dur="indefinite" restart="never" nodeType="tmRoot"/>
+      </p:par>
+    </p:tnLst>
+  </p:timing>
+</p:sld>
+</file>
+
+<file path=ppt/slides/slide12.xml><?xml version="1.0" encoding="utf-8"?>
+<p:sld xmlns:a="http://schemas.openxmlformats.org/drawingml/2006/main" xmlns:r="http://schemas.openxmlformats.org/officeDocument/2006/relationships" xmlns:p="http://schemas.openxmlformats.org/presentationml/2006/main">
+  <p:cSld>
+    <p:spTree>
+      <p:nvGrpSpPr>
+        <p:cNvPr id="1" name=""/>
+        <p:cNvGrpSpPr/>
+        <p:nvPr/>
+      </p:nvGrpSpPr>
+      <p:grpSpPr>
+        <a:xfrm>
+          <a:off x="0" y="0"/>
+          <a:ext cx="0" cy="0"/>
+          <a:chOff x="0" y="0"/>
+          <a:chExt cx="0" cy="0"/>
+        </a:xfrm>
+      </p:grpSpPr>
+      <p:sp>
+        <p:nvSpPr>
+          <p:cNvPr id="5" name="Title 4">
+            <a:extLst>
+              <a:ext uri="{FF2B5EF4-FFF2-40B4-BE49-F238E27FC236}">
+                <a16:creationId xmlns="" xmlns:a16="http://schemas.microsoft.com/office/drawing/2014/main" id="{8FBA75B4-2DD5-42EB-9397-F36BFB8BA723}"/>
+              </a:ext>
+            </a:extLst>
+          </p:cNvPr>
+          <p:cNvSpPr>
+            <a:spLocks noGrp="1"/>
+          </p:cNvSpPr>
+          <p:nvPr>
+            <p:ph type="title"/>
+          </p:nvPr>
+        </p:nvSpPr>
+        <p:spPr/>
+        <p:txBody>
+          <a:bodyPr>
+            <a:normAutofit fontScale="90000"/>
+          </a:bodyPr>
+          <a:lstStyle/>
+          <a:p>
+            <a:r>
+              <a:rPr lang="en-US" sz="4400" b="1">
+                <a:solidFill>
+                  <a:schemeClr val="accent1"/>
+                </a:solidFill>
+                <a:latin typeface="Arial"/>
+                <a:ea typeface="+mj-lt"/>
+                <a:cs typeface="Arial"/>
+              </a:rPr>
+              <a:t>Result</a:t>
+            </a:r>
+            <a:endParaRPr lang="en-US"/>
+          </a:p>
+        </p:txBody>
+      </p:sp>
+      <p:sp>
+        <p:nvSpPr>
+          <p:cNvPr id="2" name="Content Placeholder 1">
+            <a:extLst>
+              <a:ext uri="{FF2B5EF4-FFF2-40B4-BE49-F238E27FC236}">
+                <a16:creationId xmlns="" xmlns:a16="http://schemas.microsoft.com/office/drawing/2014/main" id="{D3304455-6802-6CA9-8475-2F6DD1B8D409}"/>
+              </a:ext>
+            </a:extLst>
+          </p:cNvPr>
+          <p:cNvSpPr>
+            <a:spLocks noGrp="1"/>
+          </p:cNvSpPr>
+          <p:nvPr>
+            <p:ph idx="1"/>
+          </p:nvPr>
+        </p:nvSpPr>
+        <p:spPr>
+          <a:xfrm>
+            <a:off x="440516" y="-586154"/>
+            <a:ext cx="11029615" cy="4673324"/>
+          </a:xfrm>
+        </p:spPr>
+        <p:txBody>
+          <a:bodyPr>
+            <a:normAutofit/>
+          </a:bodyPr>
+          <a:lstStyle/>
+          <a:p>
+            <a:pPr marL="0" indent="0">
+              <a:buNone/>
+            </a:pPr>
+            <a:endParaRPr lang="en-US" sz="2800" b="1" dirty="0" smtClean="0"/>
+          </a:p>
+          <a:p>
+            <a:pPr marL="305435" indent="-305435"/>
+            <a:r>
+              <a:rPr lang="en-US" sz="2800" b="1" dirty="0" err="1" smtClean="0"/>
+              <a:t>Github</a:t>
+            </a:r>
+            <a:r>
+              <a:rPr lang="en-US" sz="2800" b="1" dirty="0"/>
+              <a:t> </a:t>
+            </a:r>
+            <a:r>
+              <a:rPr lang="en-US" sz="2800" b="1" dirty="0" smtClean="0"/>
+              <a:t>link: </a:t>
+            </a:r>
+            <a:r>
+              <a:rPr lang="en-US" sz="2800" b="1" dirty="0" smtClean="0">
+                <a:hlinkClick r:id="rId2"/>
+              </a:rPr>
+              <a:t>https</a:t>
+            </a:r>
+            <a:r>
+              <a:rPr lang="en-US" sz="2800" b="1" dirty="0">
+                <a:hlinkClick r:id="rId2"/>
+              </a:rPr>
+              <a:t>://timcoder-12.github.io/study-dashboard</a:t>
+            </a:r>
+            <a:r>
+              <a:rPr lang="en-US" sz="2800" b="1" dirty="0" smtClean="0">
+                <a:hlinkClick r:id="rId2"/>
+              </a:rPr>
+              <a:t>/</a:t>
+            </a:r>
+            <a:endParaRPr lang="en-US" sz="2800" b="1" dirty="0" smtClean="0"/>
+          </a:p>
+          <a:p>
+            <a:pPr marL="305435" indent="-305435"/>
+            <a:r>
+              <a:rPr lang="en-US" sz="2800" b="1" dirty="0" smtClean="0"/>
+              <a:t>Images of code and Output:</a:t>
+            </a:r>
+          </a:p>
+          <a:p>
+            <a:pPr marL="305435" indent="-305435"/>
+            <a:endParaRPr lang="en-US" sz="2800" b="1" dirty="0"/>
+          </a:p>
+        </p:txBody>
+      </p:sp>
+      <p:pic>
+        <p:nvPicPr>
+          <p:cNvPr id="1026" name="Picture 2" descr="C:\Users\user\Pictures\Code1.PNG"/>
+          <p:cNvPicPr>
+            <a:picLocks noChangeAspect="1" noChangeArrowheads="1"/>
+          </p:cNvPicPr>
+          <p:nvPr/>
+        </p:nvPicPr>
+        <p:blipFill>
+          <a:blip r:embed="rId3">
+            <a:extLst>
+              <a:ext uri="{28A0092B-C50C-407E-A947-70E740481C1C}">
+                <a14:useLocalDpi xmlns:a14="http://schemas.microsoft.com/office/drawing/2010/main" val="0"/>
+              </a:ext>
+            </a:extLst>
+          </a:blip>
+          <a:srcRect/>
+          <a:stretch>
+            <a:fillRect/>
+          </a:stretch>
+        </p:blipFill>
+        <p:spPr bwMode="auto">
+          <a:xfrm>
+            <a:off x="2090871" y="2344616"/>
+            <a:ext cx="7709621" cy="4108788"/>
+          </a:xfrm>
+          <a:prstGeom prst="rect">
+            <a:avLst/>
+          </a:prstGeom>
+          <a:solidFill>
+            <a:srgbClr val="FFFFFF">
+              <a:shade val="85000"/>
+            </a:srgbClr>
+          </a:solidFill>
+          <a:ln w="88900" cap="sq">
+            <a:solidFill>
+              <a:srgbClr val="FFFFFF"/>
+            </a:solidFill>
+            <a:miter lim="800000"/>
+          </a:ln>
+          <a:effectLst>
+            <a:outerShdw blurRad="55000" dist="18000" dir="5400000" algn="tl" rotWithShape="0">
+              <a:srgbClr val="000000">
+                <a:alpha val="40000"/>
+              </a:srgbClr>
+            </a:outerShdw>
+          </a:effectLst>
+          <a:scene3d>
+            <a:camera prst="orthographicFront"/>
+            <a:lightRig rig="twoPt" dir="t">
+              <a:rot lat="0" lon="0" rev="7200000"/>
+            </a:lightRig>
+          </a:scene3d>
+          <a:sp3d>
+            <a:bevelT w="25400" h="19050"/>
+            <a:contourClr>
+              <a:srgbClr val="FFFFFF"/>
+            </a:contourClr>
+          </a:sp3d>
+          <a:extLst/>
+        </p:spPr>
+      </p:pic>
+    </p:spTree>
+    <p:extLst>
+      <p:ext uri="{BB962C8B-B14F-4D97-AF65-F5344CB8AC3E}">
+        <p14:creationId xmlns:p14="http://schemas.microsoft.com/office/powerpoint/2010/main" val="1483293388"/>
+      </p:ext>
+    </p:extLst>
+  </p:cSld>
+  <p:clrMapOvr>
+    <a:masterClrMapping/>
+  </p:clrMapOvr>
+  <p:timing>
+    <p:tnLst>
+      <p:par>
+        <p:cTn id="1" dur="indefinite" restart="never" nodeType="tmRoot"/>
+      </p:par>
+    </p:tnLst>
+  </p:timing>
+</p:sld>
+</file>
+
+<file path=ppt/slides/slide13.xml><?xml version="1.0" encoding="utf-8"?>
+<p:sld xmlns:a="http://schemas.openxmlformats.org/drawingml/2006/main" xmlns:r="http://schemas.openxmlformats.org/officeDocument/2006/relationships" xmlns:p="http://schemas.openxmlformats.org/presentationml/2006/main">
+  <p:cSld>
+    <p:spTree>
+      <p:nvGrpSpPr>
+        <p:cNvPr id="1" name=""/>
+        <p:cNvGrpSpPr/>
+        <p:nvPr/>
+      </p:nvGrpSpPr>
+      <p:grpSpPr>
+        <a:xfrm>
+          <a:off x="0" y="0"/>
+          <a:ext cx="0" cy="0"/>
+          <a:chOff x="0" y="0"/>
+          <a:chExt cx="0" cy="0"/>
+        </a:xfrm>
+      </p:grpSpPr>
+      <p:sp>
+        <p:nvSpPr>
+          <p:cNvPr id="2" name="Title 1"/>
+          <p:cNvSpPr>
+            <a:spLocks noGrp="1"/>
+          </p:cNvSpPr>
+          <p:nvPr>
+            <p:ph type="title"/>
+          </p:nvPr>
+        </p:nvSpPr>
+        <p:spPr/>
+        <p:txBody>
+          <a:bodyPr/>
+          <a:lstStyle/>
+          <a:p>
+            <a:r>
+              <a:rPr lang="en-GB" dirty="0" smtClean="0"/>
+              <a:t>Code 2</a:t>
+            </a:r>
+            <a:endParaRPr lang="en-IN" dirty="0"/>
+          </a:p>
+        </p:txBody>
+      </p:sp>
+      <p:pic>
+        <p:nvPicPr>
+          <p:cNvPr id="4" name="Content Placeholder 3"/>
+          <p:cNvPicPr>
+            <a:picLocks noGrp="1" noChangeAspect="1"/>
+          </p:cNvPicPr>
+          <p:nvPr>
+            <p:ph idx="1"/>
+          </p:nvPr>
+        </p:nvPicPr>
+        <p:blipFill>
+          <a:blip r:embed="rId2">
+            <a:extLst>
+              <a:ext uri="{28A0092B-C50C-407E-A947-70E740481C1C}">
+                <a14:useLocalDpi xmlns:a14="http://schemas.microsoft.com/office/drawing/2010/main" val="0"/>
+              </a:ext>
+            </a:extLst>
+          </a:blip>
+          <a:stretch>
+            <a:fillRect/>
+          </a:stretch>
+        </p:blipFill>
+        <p:spPr>
+          <a:xfrm>
+            <a:off x="1224936" y="1231412"/>
+            <a:ext cx="9302387" cy="4964451"/>
+          </a:xfrm>
+          <a:prstGeom prst="rect">
+            <a:avLst/>
+          </a:prstGeom>
+          <a:solidFill>
+            <a:srgbClr val="FFFFFF">
+              <a:shade val="85000"/>
+            </a:srgbClr>
+          </a:solidFill>
+          <a:ln w="88900" cap="sq">
+            <a:solidFill>
+              <a:srgbClr val="FFFFFF"/>
+            </a:solidFill>
+            <a:miter lim="800000"/>
+          </a:ln>
+          <a:effectLst>
+            <a:outerShdw blurRad="55000" dist="18000" dir="5400000" algn="tl" rotWithShape="0">
+              <a:srgbClr val="000000">
+                <a:alpha val="40000"/>
+              </a:srgbClr>
+            </a:outerShdw>
+          </a:effectLst>
+          <a:scene3d>
+            <a:camera prst="orthographicFront"/>
+            <a:lightRig rig="twoPt" dir="t">
+              <a:rot lat="0" lon="0" rev="7200000"/>
+            </a:lightRig>
+          </a:scene3d>
+          <a:sp3d>
+            <a:bevelT w="25400" h="19050"/>
+            <a:contourClr>
+              <a:srgbClr val="FFFFFF"/>
+            </a:contourClr>
+          </a:sp3d>
+        </p:spPr>
+      </p:pic>
+    </p:spTree>
+    <p:extLst>
+      <p:ext uri="{BB962C8B-B14F-4D97-AF65-F5344CB8AC3E}">
+        <p14:creationId xmlns:p14="http://schemas.microsoft.com/office/powerpoint/2010/main" val="3011974417"/>
+      </p:ext>
+    </p:extLst>
+  </p:cSld>
+  <p:clrMapOvr>
+    <a:masterClrMapping/>
+  </p:clrMapOvr>
+  <p:timing>
+    <p:tnLst>
+      <p:par>
+        <p:cTn id="1" dur="indefinite" restart="never" nodeType="tmRoot"/>
+      </p:par>
+    </p:tnLst>
+  </p:timing>
+</p:sld>
+</file>
+
+<file path=ppt/slides/slide14.xml><?xml version="1.0" encoding="utf-8"?>
+<p:sld xmlns:a="http://schemas.openxmlformats.org/drawingml/2006/main" xmlns:r="http://schemas.openxmlformats.org/officeDocument/2006/relationships" xmlns:p="http://schemas.openxmlformats.org/presentationml/2006/main">
+  <p:cSld>
+    <p:spTree>
+      <p:nvGrpSpPr>
+        <p:cNvPr id="1" name=""/>
+        <p:cNvGrpSpPr/>
+        <p:nvPr/>
+      </p:nvGrpSpPr>
+      <p:grpSpPr>
+        <a:xfrm>
+          <a:off x="0" y="0"/>
+          <a:ext cx="0" cy="0"/>
+          <a:chOff x="0" y="0"/>
+          <a:chExt cx="0" cy="0"/>
+        </a:xfrm>
+      </p:grpSpPr>
+      <p:sp>
+        <p:nvSpPr>
+          <p:cNvPr id="2" name="Title 1"/>
+          <p:cNvSpPr>
+            <a:spLocks noGrp="1"/>
+          </p:cNvSpPr>
+          <p:nvPr>
+            <p:ph type="title"/>
+          </p:nvPr>
+        </p:nvSpPr>
+        <p:spPr/>
+        <p:txBody>
+          <a:bodyPr/>
+          <a:lstStyle/>
+          <a:p>
+            <a:r>
+              <a:rPr lang="en-GB" dirty="0" smtClean="0"/>
+              <a:t>Output 1</a:t>
+            </a:r>
+            <a:endParaRPr lang="en-IN" dirty="0"/>
+          </a:p>
+        </p:txBody>
+      </p:sp>
+      <p:sp>
+        <p:nvSpPr>
+          <p:cNvPr id="3" name="Content Placeholder 2"/>
+          <p:cNvSpPr>
+            <a:spLocks noGrp="1"/>
+          </p:cNvSpPr>
+          <p:nvPr>
+            <p:ph idx="1"/>
+          </p:nvPr>
+        </p:nvSpPr>
+        <p:spPr/>
+        <p:txBody>
+          <a:bodyPr/>
+          <a:lstStyle/>
+          <a:p>
+            <a:endParaRPr lang="en-IN" dirty="0"/>
+          </a:p>
+        </p:txBody>
+      </p:sp>
+      <p:pic>
+        <p:nvPicPr>
+          <p:cNvPr id="2050" name="Picture 2" descr="C:\Users\user\Pictures\Output 1.jpg"/>
+          <p:cNvPicPr>
+            <a:picLocks noChangeAspect="1" noChangeArrowheads="1"/>
+          </p:cNvPicPr>
+          <p:nvPr/>
+        </p:nvPicPr>
+        <p:blipFill>
+          <a:blip r:embed="rId2">
+            <a:extLst>
+              <a:ext uri="{28A0092B-C50C-407E-A947-70E740481C1C}">
+                <a14:useLocalDpi xmlns:a14="http://schemas.microsoft.com/office/drawing/2010/main" val="0"/>
+              </a:ext>
+            </a:extLst>
+          </a:blip>
+          <a:srcRect/>
+          <a:stretch>
+            <a:fillRect/>
+          </a:stretch>
+        </p:blipFill>
+        <p:spPr bwMode="auto">
+          <a:xfrm>
+            <a:off x="1286746" y="1323178"/>
+            <a:ext cx="9146794" cy="4908199"/>
+          </a:xfrm>
+          <a:prstGeom prst="rect">
+            <a:avLst/>
+          </a:prstGeom>
+          <a:solidFill>
+            <a:srgbClr val="FFFFFF">
+              <a:shade val="85000"/>
+            </a:srgbClr>
+          </a:solidFill>
+          <a:ln w="88900" cap="sq">
+            <a:solidFill>
+              <a:srgbClr val="FFFFFF"/>
+            </a:solidFill>
+            <a:miter lim="800000"/>
+          </a:ln>
+          <a:effectLst>
+            <a:outerShdw blurRad="55000" dist="18000" dir="5400000" algn="tl" rotWithShape="0">
+              <a:srgbClr val="000000">
+                <a:alpha val="40000"/>
+              </a:srgbClr>
+            </a:outerShdw>
+          </a:effectLst>
+          <a:scene3d>
+            <a:camera prst="orthographicFront"/>
+            <a:lightRig rig="twoPt" dir="t">
+              <a:rot lat="0" lon="0" rev="7200000"/>
+            </a:lightRig>
+          </a:scene3d>
+          <a:sp3d>
+            <a:bevelT w="25400" h="19050"/>
+            <a:contourClr>
+              <a:srgbClr val="FFFFFF"/>
+            </a:contourClr>
+          </a:sp3d>
+          <a:extLst/>
+        </p:spPr>
+      </p:pic>
+    </p:spTree>
+    <p:extLst>
+      <p:ext uri="{BB962C8B-B14F-4D97-AF65-F5344CB8AC3E}">
+        <p14:creationId xmlns:p14="http://schemas.microsoft.com/office/powerpoint/2010/main" val="1789937050"/>
+      </p:ext>
+    </p:extLst>
+  </p:cSld>
+  <p:clrMapOvr>
+    <a:masterClrMapping/>
+  </p:clrMapOvr>
+  <p:timing>
+    <p:tnLst>
+      <p:par>
+        <p:cTn id="1" dur="indefinite" restart="never" nodeType="tmRoot"/>
+      </p:par>
+    </p:tnLst>
+  </p:timing>
+</p:sld>
+</file>
+
+<file path=ppt/slides/slide15.xml><?xml version="1.0" encoding="utf-8"?>
+<p:sld xmlns:a="http://schemas.openxmlformats.org/drawingml/2006/main" xmlns:r="http://schemas.openxmlformats.org/officeDocument/2006/relationships" xmlns:p="http://schemas.openxmlformats.org/presentationml/2006/main">
+  <p:cSld>
+    <p:spTree>
+      <p:nvGrpSpPr>
+        <p:cNvPr id="1" name=""/>
+        <p:cNvGrpSpPr/>
+        <p:nvPr/>
+      </p:nvGrpSpPr>
+      <p:grpSpPr>
+        <a:xfrm>
+          <a:off x="0" y="0"/>
+          <a:ext cx="0" cy="0"/>
+          <a:chOff x="0" y="0"/>
+          <a:chExt cx="0" cy="0"/>
+        </a:xfrm>
+      </p:grpSpPr>
+      <p:sp>
+        <p:nvSpPr>
+          <p:cNvPr id="2" name="Title 1"/>
+          <p:cNvSpPr>
+            <a:spLocks noGrp="1"/>
+          </p:cNvSpPr>
+          <p:nvPr>
+            <p:ph type="title"/>
+          </p:nvPr>
+        </p:nvSpPr>
+        <p:spPr/>
+        <p:txBody>
+          <a:bodyPr/>
+          <a:lstStyle/>
+          <a:p>
+            <a:r>
+              <a:rPr lang="en-GB" dirty="0" smtClean="0"/>
+              <a:t>Output 2</a:t>
+            </a:r>
+            <a:endParaRPr lang="en-IN" dirty="0"/>
+          </a:p>
+        </p:txBody>
+      </p:sp>
+      <p:sp>
+        <p:nvSpPr>
+          <p:cNvPr id="3" name="Content Placeholder 2"/>
+          <p:cNvSpPr>
+            <a:spLocks noGrp="1"/>
+          </p:cNvSpPr>
+          <p:nvPr>
+            <p:ph idx="1"/>
+          </p:nvPr>
+        </p:nvSpPr>
+        <p:spPr/>
+        <p:txBody>
+          <a:bodyPr/>
+          <a:lstStyle/>
+          <a:p>
+            <a:endParaRPr lang="en-IN"/>
+          </a:p>
+        </p:txBody>
+      </p:sp>
+      <p:pic>
+        <p:nvPicPr>
+          <p:cNvPr id="3074" name="Picture 2" descr="C:\Users\user\Pictures\Output 2.jpg"/>
+          <p:cNvPicPr>
+            <a:picLocks noChangeAspect="1" noChangeArrowheads="1"/>
+          </p:cNvPicPr>
+          <p:nvPr/>
+        </p:nvPicPr>
+        <p:blipFill>
+          <a:blip r:embed="rId2">
+            <a:extLst>
+              <a:ext uri="{28A0092B-C50C-407E-A947-70E740481C1C}">
+                <a14:useLocalDpi xmlns:a14="http://schemas.microsoft.com/office/drawing/2010/main" val="0"/>
+              </a:ext>
+            </a:extLst>
+          </a:blip>
+          <a:srcRect/>
+          <a:stretch>
+            <a:fillRect/>
+          </a:stretch>
+        </p:blipFill>
+        <p:spPr bwMode="auto">
+          <a:xfrm>
+            <a:off x="1336693" y="1312984"/>
+            <a:ext cx="9190629" cy="4884624"/>
+          </a:xfrm>
+          <a:prstGeom prst="rect">
+            <a:avLst/>
+          </a:prstGeom>
+          <a:solidFill>
+            <a:srgbClr val="FFFFFF">
+              <a:shade val="85000"/>
+            </a:srgbClr>
+          </a:solidFill>
+          <a:ln w="88900" cap="sq">
+            <a:solidFill>
+              <a:srgbClr val="FFFFFF"/>
+            </a:solidFill>
+            <a:miter lim="800000"/>
+          </a:ln>
+          <a:effectLst>
+            <a:outerShdw blurRad="55000" dist="18000" dir="5400000" algn="tl" rotWithShape="0">
+              <a:srgbClr val="000000">
+                <a:alpha val="40000"/>
+              </a:srgbClr>
+            </a:outerShdw>
+          </a:effectLst>
+          <a:scene3d>
+            <a:camera prst="orthographicFront"/>
+            <a:lightRig rig="twoPt" dir="t">
+              <a:rot lat="0" lon="0" rev="7200000"/>
+            </a:lightRig>
+          </a:scene3d>
+          <a:sp3d>
+            <a:bevelT w="25400" h="19050"/>
+            <a:contourClr>
+              <a:srgbClr val="FFFFFF"/>
+            </a:contourClr>
+          </a:sp3d>
+          <a:extLst/>
+        </p:spPr>
+      </p:pic>
+    </p:spTree>
+    <p:extLst>
+      <p:ext uri="{BB962C8B-B14F-4D97-AF65-F5344CB8AC3E}">
+        <p14:creationId xmlns:p14="http://schemas.microsoft.com/office/powerpoint/2010/main" val="2209116958"/>
+      </p:ext>
+    </p:extLst>
+  </p:cSld>
+  <p:clrMapOvr>
+    <a:masterClrMapping/>
+  </p:clrMapOvr>
+  <p:timing>
+    <p:tnLst>
+      <p:par>
+        <p:cTn id="1" dur="indefinite" restart="never" nodeType="tmRoot"/>
+      </p:par>
+    </p:tnLst>
+  </p:timing>
+</p:sld>
+</file>
+
+<file path=ppt/slides/slide16.xml><?xml version="1.0" encoding="utf-8"?>
 <p:sld xmlns:a="http://schemas.openxmlformats.org/drawingml/2006/main" xmlns:r="http://schemas.openxmlformats.org/officeDocument/2006/relationships" xmlns:p="http://schemas.openxmlformats.org/presentationml/2006/main">
   <p:cSld>
     <p:spTree>
@@ -4542,15 +5589,7 @@
               <a:srgbClr val="FFFFFF"/>
             </a:contourClr>
           </a:sp3d>
-          <a:extLst>
-            <a:ext uri="{909E8E84-426E-40DD-AFC4-6F175D3DCCD1}">
-              <a14:hiddenFill xmlns:a14="http://schemas.microsoft.com/office/drawing/2010/main">
-                <a:solidFill>
-                  <a:srgbClr val="FFFFFF"/>
-                </a:solidFill>
-              </a14:hiddenFill>
-            </a:ext>
-          </a:extLst>
+          <a:extLst/>
         </p:spPr>
       </p:pic>
     </p:spTree>
@@ -4573,7 +5612,7 @@
 </p:sld>
 </file>
 
-<file path=ppt/slides/slide11.xml><?xml version="1.0" encoding="utf-8"?>
+<file path=ppt/slides/slide17.xml><?xml version="1.0" encoding="utf-8"?>
 <p:sld xmlns:a="http://schemas.openxmlformats.org/drawingml/2006/main" xmlns:r="http://schemas.openxmlformats.org/officeDocument/2006/relationships" xmlns:p="http://schemas.openxmlformats.org/presentationml/2006/main">
   <p:cSld>
     <p:spTree>
@@ -4595,7 +5634,7 @@
           <p:cNvPr id="5" name="Title 4">
             <a:extLst>
               <a:ext uri="{FF2B5EF4-FFF2-40B4-BE49-F238E27FC236}">
-                <a16:creationId xmlns:a16="http://schemas.microsoft.com/office/drawing/2014/main" xmlns="" id="{8FBA75B4-2DD5-42EB-9397-F36BFB8BA723}"/>
+                <a16:creationId xmlns="" xmlns:a16="http://schemas.microsoft.com/office/drawing/2014/main" id="{8FBA75B4-2DD5-42EB-9397-F36BFB8BA723}"/>
               </a:ext>
             </a:extLst>
           </p:cNvPr>
@@ -4633,7 +5672,7 @@
           <p:cNvPr id="4" name="Rectangle 2">
             <a:extLst>
               <a:ext uri="{FF2B5EF4-FFF2-40B4-BE49-F238E27FC236}">
-                <a16:creationId xmlns:a16="http://schemas.microsoft.com/office/drawing/2014/main" xmlns="" id="{AE90F0D3-BDEA-0292-92F3-78C774C3D8CE}"/>
+                <a16:creationId xmlns="" xmlns:a16="http://schemas.microsoft.com/office/drawing/2014/main" id="{AE90F0D3-BDEA-0292-92F3-78C774C3D8CE}"/>
               </a:ext>
             </a:extLst>
           </p:cNvPr>
@@ -4755,7 +5794,7 @@
 </p:sld>
 </file>
 
-<file path=ppt/slides/slide12.xml><?xml version="1.0" encoding="utf-8"?>
+<file path=ppt/slides/slide18.xml><?xml version="1.0" encoding="utf-8"?>
 <p:sld xmlns:a="http://schemas.openxmlformats.org/drawingml/2006/main" xmlns:r="http://schemas.openxmlformats.org/officeDocument/2006/relationships" xmlns:p="http://schemas.openxmlformats.org/presentationml/2006/main">
   <p:cSld>
     <p:spTree>
@@ -4777,7 +5816,7 @@
           <p:cNvPr id="5" name="Title 4">
             <a:extLst>
               <a:ext uri="{FF2B5EF4-FFF2-40B4-BE49-F238E27FC236}">
-                <a16:creationId xmlns:a16="http://schemas.microsoft.com/office/drawing/2014/main" xmlns="" id="{3F968F13-9AC4-7120-7ACD-9F752C767D5D}"/>
+                <a16:creationId xmlns="" xmlns:a16="http://schemas.microsoft.com/office/drawing/2014/main" id="{3F968F13-9AC4-7120-7ACD-9F752C767D5D}"/>
               </a:ext>
             </a:extLst>
           </p:cNvPr>
@@ -4896,7 +5935,7 @@
           <p:cNvPr id="2" name="Content Placeholder 1">
             <a:extLst>
               <a:ext uri="{FF2B5EF4-FFF2-40B4-BE49-F238E27FC236}">
-                <a16:creationId xmlns:a16="http://schemas.microsoft.com/office/drawing/2014/main" xmlns="" id="{9D34F224-4AA0-CB45-7156-5485779AB06F}"/>
+                <a16:creationId xmlns="" xmlns:a16="http://schemas.microsoft.com/office/drawing/2014/main" id="{9D34F224-4AA0-CB45-7156-5485779AB06F}"/>
               </a:ext>
             </a:extLst>
           </p:cNvPr>
@@ -5049,7 +6088,7 @@
 </p:sld>
 </file>
 
-<file path=ppt/slides/slide13.xml><?xml version="1.0" encoding="utf-8"?>
+<file path=ppt/slides/slide19.xml><?xml version="1.0" encoding="utf-8"?>
 <p:sld xmlns:a="http://schemas.openxmlformats.org/drawingml/2006/main" xmlns:r="http://schemas.openxmlformats.org/officeDocument/2006/relationships" xmlns:p="http://schemas.openxmlformats.org/presentationml/2006/main">
   <p:cSld>
     <p:spTree>
@@ -5071,7 +6110,7 @@
           <p:cNvPr id="5" name="Title 4">
             <a:extLst>
               <a:ext uri="{FF2B5EF4-FFF2-40B4-BE49-F238E27FC236}">
-                <a16:creationId xmlns:a16="http://schemas.microsoft.com/office/drawing/2014/main" xmlns="" id="{8FBA75B4-2DD5-42EB-9397-F36BFB8BA723}"/>
+                <a16:creationId xmlns="" xmlns:a16="http://schemas.microsoft.com/office/drawing/2014/main" id="{8FBA75B4-2DD5-42EB-9397-F36BFB8BA723}"/>
               </a:ext>
             </a:extLst>
           </p:cNvPr>
@@ -5109,7 +6148,7 @@
           <p:cNvPr id="2" name="Content Placeholder 1">
             <a:extLst>
               <a:ext uri="{FF2B5EF4-FFF2-40B4-BE49-F238E27FC236}">
-                <a16:creationId xmlns:a16="http://schemas.microsoft.com/office/drawing/2014/main" xmlns="" id="{357C38BC-22B3-37B2-E0C3-812020A76077}"/>
+                <a16:creationId xmlns="" xmlns:a16="http://schemas.microsoft.com/office/drawing/2014/main" id="{357C38BC-22B3-37B2-E0C3-812020A76077}"/>
               </a:ext>
             </a:extLst>
           </p:cNvPr>
@@ -5255,83 +6294,6 @@
     <p:extLst>
       <p:ext uri="{BB962C8B-B14F-4D97-AF65-F5344CB8AC3E}">
         <p14:creationId xmlns:p14="http://schemas.microsoft.com/office/powerpoint/2010/main" val="728950222"/>
-      </p:ext>
-    </p:extLst>
-  </p:cSld>
-  <p:clrMapOvr>
-    <a:masterClrMapping/>
-  </p:clrMapOvr>
-  <p:timing>
-    <p:tnLst>
-      <p:par>
-        <p:cTn id="1" dur="indefinite" restart="never" nodeType="tmRoot"/>
-      </p:par>
-    </p:tnLst>
-  </p:timing>
-</p:sld>
-</file>
-
-<file path=ppt/slides/slide14.xml><?xml version="1.0" encoding="utf-8"?>
-<p:sld xmlns:a="http://schemas.openxmlformats.org/drawingml/2006/main" xmlns:r="http://schemas.openxmlformats.org/officeDocument/2006/relationships" xmlns:p="http://schemas.openxmlformats.org/presentationml/2006/main">
-  <p:cSld>
-    <p:spTree>
-      <p:nvGrpSpPr>
-        <p:cNvPr id="1" name=""/>
-        <p:cNvGrpSpPr/>
-        <p:nvPr/>
-      </p:nvGrpSpPr>
-      <p:grpSpPr>
-        <a:xfrm>
-          <a:off x="0" y="0"/>
-          <a:ext cx="0" cy="0"/>
-          <a:chOff x="0" y="0"/>
-          <a:chExt cx="0" cy="0"/>
-        </a:xfrm>
-      </p:grpSpPr>
-      <p:sp>
-        <p:nvSpPr>
-          <p:cNvPr id="5" name="Title 4">
-            <a:extLst>
-              <a:ext uri="{FF2B5EF4-FFF2-40B4-BE49-F238E27FC236}">
-                <a16:creationId xmlns:a16="http://schemas.microsoft.com/office/drawing/2014/main" xmlns="" id="{8BE4CA82-64EC-4D4E-A5E5-3EBB66E7B24C}"/>
-              </a:ext>
-            </a:extLst>
-          </p:cNvPr>
-          <p:cNvSpPr>
-            <a:spLocks noGrp="1"/>
-          </p:cNvSpPr>
-          <p:nvPr>
-            <p:ph type="title"/>
-          </p:nvPr>
-        </p:nvSpPr>
-        <p:spPr>
-          <a:xfrm>
-            <a:off x="1463041" y="2766218"/>
-            <a:ext cx="9298744" cy="1325563"/>
-          </a:xfrm>
-        </p:spPr>
-        <p:txBody>
-          <a:bodyPr/>
-          <a:lstStyle/>
-          <a:p>
-            <a:pPr algn="ctr"/>
-            <a:r>
-              <a:rPr lang="en-US" b="1">
-                <a:solidFill>
-                  <a:srgbClr val="002060"/>
-                </a:solidFill>
-                <a:latin typeface="Arial" panose="020B0604020202020204" pitchFamily="34" charset="0"/>
-                <a:cs typeface="Arial" panose="020B0604020202020204" pitchFamily="34" charset="0"/>
-              </a:rPr>
-              <a:t>THANK YOU</a:t>
-            </a:r>
-          </a:p>
-        </p:txBody>
-      </p:sp>
-    </p:spTree>
-    <p:extLst>
-      <p:ext uri="{BB962C8B-B14F-4D97-AF65-F5344CB8AC3E}">
-        <p14:creationId xmlns:p14="http://schemas.microsoft.com/office/powerpoint/2010/main" val="4066255318"/>
       </p:ext>
     </p:extLst>
   </p:cSld>
@@ -5370,7 +6332,7 @@
           <p:cNvPr id="2" name="Title 1">
             <a:extLst>
               <a:ext uri="{FF2B5EF4-FFF2-40B4-BE49-F238E27FC236}">
-                <a16:creationId xmlns:a16="http://schemas.microsoft.com/office/drawing/2014/main" xmlns="" id="{49FFEB4C-F209-4AE7-AA2B-B3C26CE2C51D}"/>
+                <a16:creationId xmlns="" xmlns:a16="http://schemas.microsoft.com/office/drawing/2014/main" id="{49FFEB4C-F209-4AE7-AA2B-B3C26CE2C51D}"/>
               </a:ext>
             </a:extLst>
           </p:cNvPr>
@@ -5409,7 +6371,7 @@
           <p:cNvPr id="3" name="Content Placeholder 2">
             <a:extLst>
               <a:ext uri="{FF2B5EF4-FFF2-40B4-BE49-F238E27FC236}">
-                <a16:creationId xmlns:a16="http://schemas.microsoft.com/office/drawing/2014/main" xmlns="" id="{B2678641-EEA3-4EC4-BF39-4075B0C120E8}"/>
+                <a16:creationId xmlns="" xmlns:a16="http://schemas.microsoft.com/office/drawing/2014/main" id="{B2678641-EEA3-4EC4-BF39-4075B0C120E8}"/>
               </a:ext>
             </a:extLst>
           </p:cNvPr>
@@ -5591,6 +6553,83 @@
     <p:extLst>
       <p:ext uri="{BB962C8B-B14F-4D97-AF65-F5344CB8AC3E}">
         <p14:creationId xmlns:p14="http://schemas.microsoft.com/office/powerpoint/2010/main" val="2900153716"/>
+      </p:ext>
+    </p:extLst>
+  </p:cSld>
+  <p:clrMapOvr>
+    <a:masterClrMapping/>
+  </p:clrMapOvr>
+  <p:timing>
+    <p:tnLst>
+      <p:par>
+        <p:cTn id="1" dur="indefinite" restart="never" nodeType="tmRoot"/>
+      </p:par>
+    </p:tnLst>
+  </p:timing>
+</p:sld>
+</file>
+
+<file path=ppt/slides/slide20.xml><?xml version="1.0" encoding="utf-8"?>
+<p:sld xmlns:a="http://schemas.openxmlformats.org/drawingml/2006/main" xmlns:r="http://schemas.openxmlformats.org/officeDocument/2006/relationships" xmlns:p="http://schemas.openxmlformats.org/presentationml/2006/main">
+  <p:cSld>
+    <p:spTree>
+      <p:nvGrpSpPr>
+        <p:cNvPr id="1" name=""/>
+        <p:cNvGrpSpPr/>
+        <p:nvPr/>
+      </p:nvGrpSpPr>
+      <p:grpSpPr>
+        <a:xfrm>
+          <a:off x="0" y="0"/>
+          <a:ext cx="0" cy="0"/>
+          <a:chOff x="0" y="0"/>
+          <a:chExt cx="0" cy="0"/>
+        </a:xfrm>
+      </p:grpSpPr>
+      <p:sp>
+        <p:nvSpPr>
+          <p:cNvPr id="5" name="Title 4">
+            <a:extLst>
+              <a:ext uri="{FF2B5EF4-FFF2-40B4-BE49-F238E27FC236}">
+                <a16:creationId xmlns="" xmlns:a16="http://schemas.microsoft.com/office/drawing/2014/main" id="{8BE4CA82-64EC-4D4E-A5E5-3EBB66E7B24C}"/>
+              </a:ext>
+            </a:extLst>
+          </p:cNvPr>
+          <p:cNvSpPr>
+            <a:spLocks noGrp="1"/>
+          </p:cNvSpPr>
+          <p:nvPr>
+            <p:ph type="title"/>
+          </p:nvPr>
+        </p:nvSpPr>
+        <p:spPr>
+          <a:xfrm>
+            <a:off x="1463041" y="2766218"/>
+            <a:ext cx="9298744" cy="1325563"/>
+          </a:xfrm>
+        </p:spPr>
+        <p:txBody>
+          <a:bodyPr/>
+          <a:lstStyle/>
+          <a:p>
+            <a:pPr algn="ctr"/>
+            <a:r>
+              <a:rPr lang="en-US" b="1">
+                <a:solidFill>
+                  <a:srgbClr val="002060"/>
+                </a:solidFill>
+                <a:latin typeface="Arial" panose="020B0604020202020204" pitchFamily="34" charset="0"/>
+                <a:cs typeface="Arial" panose="020B0604020202020204" pitchFamily="34" charset="0"/>
+              </a:rPr>
+              <a:t>THANK YOU</a:t>
+            </a:r>
+          </a:p>
+        </p:txBody>
+      </p:sp>
+    </p:spTree>
+    <p:extLst>
+      <p:ext uri="{BB962C8B-B14F-4D97-AF65-F5344CB8AC3E}">
+        <p14:creationId xmlns:p14="http://schemas.microsoft.com/office/powerpoint/2010/main" val="4066255318"/>
       </p:ext>
     </p:extLst>
   </p:cSld>
@@ -5629,7 +6668,7 @@
           <p:cNvPr id="5" name="Title 4">
             <a:extLst>
               <a:ext uri="{FF2B5EF4-FFF2-40B4-BE49-F238E27FC236}">
-                <a16:creationId xmlns:a16="http://schemas.microsoft.com/office/drawing/2014/main" xmlns="" id="{8FBA75B4-2DD5-42EB-9397-F36BFB8BA723}"/>
+                <a16:creationId xmlns="" xmlns:a16="http://schemas.microsoft.com/office/drawing/2014/main" id="{8FBA75B4-2DD5-42EB-9397-F36BFB8BA723}"/>
               </a:ext>
             </a:extLst>
           </p:cNvPr>
@@ -5666,7 +6705,7 @@
           <p:cNvPr id="6" name="Rectangle 2">
             <a:extLst>
               <a:ext uri="{FF2B5EF4-FFF2-40B4-BE49-F238E27FC236}">
-                <a16:creationId xmlns:a16="http://schemas.microsoft.com/office/drawing/2014/main" xmlns="" id="{E6FA226B-B793-1ABD-FBA7-D34D3073B2DB}"/>
+                <a16:creationId xmlns="" xmlns:a16="http://schemas.microsoft.com/office/drawing/2014/main" id="{E6FA226B-B793-1ABD-FBA7-D34D3073B2DB}"/>
               </a:ext>
             </a:extLst>
           </p:cNvPr>
@@ -5876,7 +6915,7 @@
           <p:cNvPr id="5" name="Title 4">
             <a:extLst>
               <a:ext uri="{FF2B5EF4-FFF2-40B4-BE49-F238E27FC236}">
-                <a16:creationId xmlns:a16="http://schemas.microsoft.com/office/drawing/2014/main" xmlns="" id="{8FBA75B4-2DD5-42EB-9397-F36BFB8BA723}"/>
+                <a16:creationId xmlns="" xmlns:a16="http://schemas.microsoft.com/office/drawing/2014/main" id="{8FBA75B4-2DD5-42EB-9397-F36BFB8BA723}"/>
               </a:ext>
             </a:extLst>
           </p:cNvPr>
@@ -5925,7 +6964,7 @@
           <p:cNvPr id="3" name="Rectangle 1">
             <a:extLst>
               <a:ext uri="{FF2B5EF4-FFF2-40B4-BE49-F238E27FC236}">
-                <a16:creationId xmlns:a16="http://schemas.microsoft.com/office/drawing/2014/main" xmlns="" id="{6F47B10D-BA02-E027-46A1-3EB9B387A427}"/>
+                <a16:creationId xmlns="" xmlns:a16="http://schemas.microsoft.com/office/drawing/2014/main" id="{6F47B10D-BA02-E027-46A1-3EB9B387A427}"/>
               </a:ext>
             </a:extLst>
           </p:cNvPr>
@@ -6103,13 +7142,7 @@
       </p:grpSpPr>
       <p:sp>
         <p:nvSpPr>
-          <p:cNvPr id="5" name="Title 4">
-            <a:extLst>
-              <a:ext uri="{FF2B5EF4-FFF2-40B4-BE49-F238E27FC236}">
-                <a16:creationId xmlns:a16="http://schemas.microsoft.com/office/drawing/2014/main" xmlns="" id="{8FBA75B4-2DD5-42EB-9397-F36BFB8BA723}"/>
-              </a:ext>
-            </a:extLst>
-          </p:cNvPr>
+          <p:cNvPr id="2" name="Title 1"/>
           <p:cNvSpPr>
             <a:spLocks noGrp="1"/>
           </p:cNvSpPr>
@@ -6117,7 +7150,12 @@
             <p:ph type="title"/>
           </p:nvPr>
         </p:nvSpPr>
-        <p:spPr/>
+        <p:spPr>
+          <a:xfrm>
+            <a:off x="636609" y="1034665"/>
+            <a:ext cx="11029616" cy="530296"/>
+          </a:xfrm>
+        </p:spPr>
         <p:txBody>
           <a:bodyPr>
             <a:normAutofit fontScale="90000"/>
@@ -6125,222 +7163,114 @@
           <a:lstStyle/>
           <a:p>
             <a:r>
-              <a:rPr lang="en-US" sz="4400" b="1" dirty="0">
-                <a:solidFill>
-                  <a:schemeClr val="accent1"/>
-                </a:solidFill>
-                <a:latin typeface="Arial"/>
-                <a:ea typeface="+mj-lt"/>
-                <a:cs typeface="Arial"/>
-              </a:rPr>
-              <a:t>Algorithm &amp; Deployment</a:t>
-            </a:r>
-            <a:endParaRPr lang="en-US" dirty="0"/>
-          </a:p>
-        </p:txBody>
-      </p:sp>
-      <p:sp>
-        <p:nvSpPr>
-          <p:cNvPr id="3" name="Rectangle 1">
-            <a:extLst>
-              <a:ext uri="{FF2B5EF4-FFF2-40B4-BE49-F238E27FC236}">
-                <a16:creationId xmlns:a16="http://schemas.microsoft.com/office/drawing/2014/main" xmlns="" id="{2A13D4AF-BC64-937B-E983-E2F50E4F343E}"/>
-              </a:ext>
-            </a:extLst>
-          </p:cNvPr>
-          <p:cNvSpPr>
-            <a:spLocks noGrp="1" noChangeArrowheads="1"/>
+              <a:rPr lang="en-IN" b="1" dirty="0"/>
+              <a:t>Front-end:</a:t>
+            </a:r>
+            <a:r>
+              <a:rPr lang="en-IN" dirty="0"/>
+              <a:t> HTML, CSS</a:t>
+            </a:r>
+            <a:br>
+              <a:rPr lang="en-IN" dirty="0"/>
+            </a:br>
+            <a:endParaRPr lang="en-IN" dirty="0"/>
+          </a:p>
+        </p:txBody>
+      </p:sp>
+      <p:sp>
+        <p:nvSpPr>
+          <p:cNvPr id="3" name="Content Placeholder 2"/>
+          <p:cNvSpPr>
+            <a:spLocks noGrp="1"/>
           </p:cNvSpPr>
           <p:nvPr>
             <p:ph idx="1"/>
           </p:nvPr>
         </p:nvSpPr>
-        <p:spPr bwMode="auto">
-          <a:xfrm>
-            <a:off x="581192" y="2682400"/>
-            <a:ext cx="11165331" cy="2803844"/>
-          </a:xfrm>
-          <a:prstGeom prst="rect">
-            <a:avLst/>
-          </a:prstGeom>
-          <a:noFill/>
-          <a:ln>
-            <a:noFill/>
-          </a:ln>
-          <a:effectLst/>
-          <a:extLst>
-            <a:ext uri="{909E8E84-426E-40DD-AFC4-6F175D3DCCD1}">
-              <a14:hiddenFill xmlns:a14="http://schemas.microsoft.com/office/drawing/2010/main">
-                <a:solidFill>
-                  <a:schemeClr val="accent1"/>
-                </a:solidFill>
-              </a14:hiddenFill>
-            </a:ext>
-            <a:ext uri="{91240B29-F687-4F45-9708-019B960494DF}">
-              <a14:hiddenLine xmlns:a14="http://schemas.microsoft.com/office/drawing/2010/main" w="9525">
-                <a:solidFill>
-                  <a:schemeClr val="tx1"/>
-                </a:solidFill>
-                <a:miter lim="800000"/>
-                <a:headEnd/>
-                <a:tailEnd/>
-              </a14:hiddenLine>
-            </a:ext>
-            <a:ext uri="{AF507438-7753-43E0-B8FC-AC1667EBCBE1}">
-              <a14:hiddenEffects xmlns:a14="http://schemas.microsoft.com/office/drawing/2010/main">
-                <a:effectLst>
-                  <a:outerShdw dist="35921" dir="2700000" algn="ctr" rotWithShape="0">
-                    <a:schemeClr val="bg2"/>
-                  </a:outerShdw>
-                </a:effectLst>
-              </a14:hiddenEffects>
-            </a:ext>
-          </a:extLst>
-        </p:spPr>
-        <p:txBody>
-          <a:bodyPr vert="horz" wrap="square" lIns="91440" tIns="45720" rIns="91440" bIns="45720" numCol="1" anchor="ctr" anchorCtr="0" compatLnSpc="1">
-            <a:prstTxWarp prst="textNoShape">
-              <a:avLst/>
-            </a:prstTxWarp>
-            <a:spAutoFit/>
-          </a:bodyPr>
+        <p:spPr/>
+        <p:txBody>
+          <a:bodyPr/>
           <a:lstStyle/>
           <a:p>
             <a:r>
-              <a:rPr lang="en-GB" sz="1800" b="1" dirty="0"/>
-              <a:t>Product </a:t>
-            </a:r>
-            <a:r>
-              <a:rPr lang="en-GB" sz="1800" b="1" dirty="0" err="1"/>
-              <a:t>Catalog</a:t>
-            </a:r>
-            <a:r>
-              <a:rPr lang="en-GB" sz="1800" b="1" dirty="0"/>
-              <a:t> Creation:</a:t>
-            </a:r>
-            <a:r>
-              <a:rPr lang="en-GB" sz="1800" dirty="0"/>
-              <a:t> Define and organize products with images, prices, and descriptions for easy display.</a:t>
-            </a:r>
-          </a:p>
-          <a:p>
-            <a:r>
-              <a:rPr lang="en-GB" sz="1800" b="1" dirty="0"/>
-              <a:t>Frontend Design:</a:t>
-            </a:r>
-            <a:r>
-              <a:rPr lang="en-GB" sz="1800" dirty="0"/>
-              <a:t> Create a visually appealing layout using HTML and CSS grids/cards for product presentation.</a:t>
-            </a:r>
-          </a:p>
-          <a:p>
-            <a:r>
-              <a:rPr lang="en-GB" sz="1800" b="1" dirty="0"/>
-              <a:t>Interactive Features:</a:t>
-            </a:r>
-            <a:r>
-              <a:rPr lang="en-GB" sz="1800" dirty="0"/>
-              <a:t> Implement Add-to-Cart, Remove-from-Cart, real-time total calculation, filtering, </a:t>
-            </a:r>
-            <a:r>
-              <a:rPr lang="en-GB" sz="1800" dirty="0" smtClean="0"/>
-              <a:t/>
-            </a:r>
-            <a:br>
-              <a:rPr lang="en-GB" sz="1800" dirty="0" smtClean="0"/>
-            </a:br>
-            <a:r>
-              <a:rPr lang="en-GB" sz="1800" dirty="0" smtClean="0"/>
-              <a:t>                                    and </a:t>
-            </a:r>
-            <a:r>
-              <a:rPr lang="en-GB" sz="1800" dirty="0"/>
-              <a:t>modal product views using JavaScript.</a:t>
-            </a:r>
-          </a:p>
-          <a:p>
-            <a:r>
-              <a:rPr lang="en-GB" sz="1800" b="1" dirty="0"/>
-              <a:t>Testing:</a:t>
-            </a:r>
-            <a:r>
-              <a:rPr lang="en-GB" sz="1800" dirty="0"/>
-              <a:t> Ensure cross-browser compatibility and mobile responsiveness for smooth user experience.</a:t>
-            </a:r>
-          </a:p>
-          <a:p>
-            <a:r>
-              <a:rPr lang="en-GB" sz="1800" b="1" dirty="0"/>
-              <a:t>Deployment:</a:t>
-            </a:r>
-            <a:r>
-              <a:rPr lang="en-GB" sz="1800" dirty="0"/>
-              <a:t> Publish the project online using </a:t>
-            </a:r>
-            <a:r>
-              <a:rPr lang="en-GB" sz="1800" dirty="0" err="1"/>
-              <a:t>GitHub</a:t>
-            </a:r>
-            <a:r>
-              <a:rPr lang="en-GB" sz="1800" dirty="0"/>
-              <a:t> Pages or </a:t>
-            </a:r>
-            <a:r>
-              <a:rPr lang="en-GB" sz="1800" dirty="0" err="1"/>
-              <a:t>Netlify</a:t>
-            </a:r>
-            <a:r>
-              <a:rPr lang="en-GB" sz="1800" dirty="0"/>
-              <a:t> for free and accessible hosting.</a:t>
-            </a:r>
-          </a:p>
-          <a:p>
-            <a:pPr marL="0" marR="0" lvl="0" indent="0" algn="l" defTabSz="914400" rtl="0" eaLnBrk="0" fontAlgn="base" latinLnBrk="0" hangingPunct="0">
-              <a:lnSpc>
-                <a:spcPct val="100000"/>
-              </a:lnSpc>
-              <a:spcBef>
-                <a:spcPct val="0"/>
-              </a:spcBef>
-              <a:spcAft>
-                <a:spcPct val="0"/>
-              </a:spcAft>
-              <a:buClrTx/>
-              <a:buSzTx/>
-              <a:buFontTx/>
-              <a:buNone/>
-              <a:tabLst/>
-            </a:pPr>
-            <a:endParaRPr kumimoji="0" lang="en-US" altLang="en-US" sz="1800" b="0" i="0" u="none" strike="noStrike" cap="none" normalizeH="0" baseline="0" dirty="0">
-              <a:ln>
-                <a:noFill/>
-              </a:ln>
-              <a:solidFill>
-                <a:schemeClr val="tx1"/>
-              </a:solidFill>
-              <a:effectLst/>
-              <a:latin typeface="Arial" panose="020B0604020202020204" pitchFamily="34" charset="0"/>
-            </a:endParaRPr>
+              <a:rPr lang="en-GB" b="1" dirty="0"/>
+              <a:t>HTML</a:t>
+            </a:r>
+            <a:r>
+              <a:rPr lang="en-GB" dirty="0"/>
+              <a:t>: Provides the structure of the study planner (tasks, goals, buttons, charts).</a:t>
+            </a:r>
+          </a:p>
+          <a:p>
+            <a:r>
+              <a:rPr lang="en-GB" b="1" dirty="0"/>
+              <a:t>CSS</a:t>
+            </a:r>
+            <a:r>
+              <a:rPr lang="en-GB" dirty="0"/>
+              <a:t>: Styles the layout using grids, cards, and responsive design.</a:t>
+            </a:r>
+          </a:p>
+          <a:p>
+            <a:r>
+              <a:rPr lang="en-GB" b="1" dirty="0"/>
+              <a:t>Role</a:t>
+            </a:r>
+            <a:r>
+              <a:rPr lang="en-GB" dirty="0"/>
+              <a:t>: Makes the application visually appealing, consistent, and mobile-friendly.</a:t>
+            </a:r>
+          </a:p>
+          <a:p>
+            <a:r>
+              <a:rPr lang="en-GB" b="1" dirty="0"/>
+              <a:t>Key Features</a:t>
+            </a:r>
+            <a:r>
+              <a:rPr lang="en-GB" dirty="0"/>
+              <a:t>:</a:t>
+            </a:r>
+          </a:p>
+          <a:p>
+            <a:pPr lvl="1"/>
+            <a:r>
+              <a:rPr lang="en-GB" dirty="0"/>
+              <a:t>Clean layouts with sections for tasks &amp; charts</a:t>
+            </a:r>
+          </a:p>
+          <a:p>
+            <a:pPr lvl="1"/>
+            <a:r>
+              <a:rPr lang="en-GB" dirty="0"/>
+              <a:t>Responsive grid system for different screen sizes</a:t>
+            </a:r>
+          </a:p>
+          <a:p>
+            <a:pPr lvl="1"/>
+            <a:r>
+              <a:rPr lang="en-GB" dirty="0" err="1"/>
+              <a:t>Color</a:t>
+            </a:r>
+            <a:r>
+              <a:rPr lang="en-GB" dirty="0"/>
+              <a:t> schemes and typography for readability</a:t>
+            </a:r>
+          </a:p>
+          <a:p>
+            <a:endParaRPr lang="en-IN" dirty="0"/>
           </a:p>
         </p:txBody>
       </p:sp>
     </p:spTree>
     <p:extLst>
       <p:ext uri="{BB962C8B-B14F-4D97-AF65-F5344CB8AC3E}">
-        <p14:creationId xmlns:p14="http://schemas.microsoft.com/office/powerpoint/2010/main" val="4154508776"/>
+        <p14:creationId xmlns:p14="http://schemas.microsoft.com/office/powerpoint/2010/main" val="4218892576"/>
       </p:ext>
     </p:extLst>
   </p:cSld>
   <p:clrMapOvr>
     <a:masterClrMapping/>
   </p:clrMapOvr>
-  <p:timing>
-    <p:tnLst>
-      <p:par>
-        <p:cTn id="1" dur="indefinite" restart="never" nodeType="tmRoot"/>
-      </p:par>
-    </p:tnLst>
-  </p:timing>
 </p:sld>
 </file>
 
@@ -6363,13 +7293,7 @@
       </p:grpSpPr>
       <p:sp>
         <p:nvSpPr>
-          <p:cNvPr id="5" name="Title 4">
-            <a:extLst>
-              <a:ext uri="{FF2B5EF4-FFF2-40B4-BE49-F238E27FC236}">
-                <a16:creationId xmlns:a16="http://schemas.microsoft.com/office/drawing/2014/main" xmlns="" id="{8FBA75B4-2DD5-42EB-9397-F36BFB8BA723}"/>
-              </a:ext>
-            </a:extLst>
-          </p:cNvPr>
+          <p:cNvPr id="2" name="Title 1"/>
           <p:cNvSpPr>
             <a:spLocks noGrp="1"/>
           </p:cNvSpPr>
@@ -6377,7 +7301,12 @@
             <p:ph type="title"/>
           </p:nvPr>
         </p:nvSpPr>
-        <p:spPr/>
+        <p:spPr>
+          <a:xfrm>
+            <a:off x="636610" y="1117792"/>
+            <a:ext cx="11029616" cy="530296"/>
+          </a:xfrm>
+        </p:spPr>
         <p:txBody>
           <a:bodyPr>
             <a:normAutofit fontScale="90000"/>
@@ -6385,29 +7314,23 @@
           <a:lstStyle/>
           <a:p>
             <a:r>
-              <a:rPr lang="en-US" sz="4400" b="1">
-                <a:solidFill>
-                  <a:schemeClr val="accent1"/>
-                </a:solidFill>
-                <a:latin typeface="Arial"/>
-                <a:ea typeface="+mj-lt"/>
-                <a:cs typeface="Arial"/>
-              </a:rPr>
-              <a:t>Result</a:t>
-            </a:r>
-            <a:endParaRPr lang="en-US"/>
-          </a:p>
-        </p:txBody>
-      </p:sp>
-      <p:sp>
-        <p:nvSpPr>
-          <p:cNvPr id="2" name="Content Placeholder 1">
-            <a:extLst>
-              <a:ext uri="{FF2B5EF4-FFF2-40B4-BE49-F238E27FC236}">
-                <a16:creationId xmlns:a16="http://schemas.microsoft.com/office/drawing/2014/main" xmlns="" id="{D3304455-6802-6CA9-8475-2F6DD1B8D409}"/>
-              </a:ext>
-            </a:extLst>
-          </p:cNvPr>
+              <a:rPr lang="en-IN" b="1" dirty="0"/>
+              <a:t>Scripting:</a:t>
+            </a:r>
+            <a:r>
+              <a:rPr lang="en-IN" dirty="0"/>
+              <a:t> JavaScript</a:t>
+            </a:r>
+            <a:br>
+              <a:rPr lang="en-IN" dirty="0"/>
+            </a:br>
+            <a:endParaRPr lang="en-IN" dirty="0"/>
+          </a:p>
+        </p:txBody>
+      </p:sp>
+      <p:sp>
+        <p:nvSpPr>
+          <p:cNvPr id="3" name="Content Placeholder 2"/>
           <p:cNvSpPr>
             <a:spLocks noGrp="1"/>
           </p:cNvSpPr>
@@ -6415,157 +7338,83 @@
             <p:ph idx="1"/>
           </p:nvPr>
         </p:nvSpPr>
-        <p:spPr>
-          <a:xfrm>
-            <a:off x="440516" y="-586154"/>
-            <a:ext cx="11029615" cy="4673324"/>
-          </a:xfrm>
-        </p:spPr>
-        <p:txBody>
-          <a:bodyPr>
-            <a:normAutofit/>
-          </a:bodyPr>
+        <p:spPr/>
+        <p:txBody>
+          <a:bodyPr/>
           <a:lstStyle/>
           <a:p>
-            <a:pPr marL="0" indent="0">
-              <a:buNone/>
-            </a:pPr>
-            <a:endParaRPr lang="en-US" sz="2800" b="1" dirty="0" smtClean="0"/>
-          </a:p>
-          <a:p>
-            <a:pPr marL="305435" indent="-305435"/>
-            <a:r>
-              <a:rPr lang="en-US" sz="2800" b="1" dirty="0" err="1" smtClean="0"/>
-              <a:t>Github</a:t>
-            </a:r>
-            <a:r>
-              <a:rPr lang="en-US" sz="2800" b="1" dirty="0"/>
-              <a:t> </a:t>
-            </a:r>
-            <a:r>
-              <a:rPr lang="en-US" sz="2800" b="1" dirty="0" smtClean="0"/>
-              <a:t>link: </a:t>
-            </a:r>
-            <a:r>
-              <a:rPr lang="en-US" sz="2800" b="1" dirty="0" smtClean="0">
-                <a:hlinkClick r:id="rId2"/>
-              </a:rPr>
-              <a:t>https</a:t>
-            </a:r>
-            <a:r>
-              <a:rPr lang="en-US" sz="2800" b="1" dirty="0">
-                <a:hlinkClick r:id="rId2"/>
-              </a:rPr>
-              <a:t>://timcoder-12.github.io/study-dashboard</a:t>
-            </a:r>
-            <a:r>
-              <a:rPr lang="en-US" sz="2800" b="1" dirty="0" smtClean="0">
-                <a:hlinkClick r:id="rId2"/>
-              </a:rPr>
-              <a:t>/</a:t>
-            </a:r>
-            <a:endParaRPr lang="en-US" sz="2800" b="1" dirty="0" smtClean="0"/>
-          </a:p>
-          <a:p>
-            <a:pPr marL="305435" indent="-305435"/>
-            <a:r>
-              <a:rPr lang="en-US" sz="2800" b="1" dirty="0" smtClean="0"/>
-              <a:t>Images of code and Output:</a:t>
-            </a:r>
-          </a:p>
-          <a:p>
-            <a:pPr marL="305435" indent="-305435"/>
-            <a:endParaRPr lang="en-US" sz="2800" b="1" dirty="0"/>
-          </a:p>
-        </p:txBody>
-      </p:sp>
-      <p:pic>
-        <p:nvPicPr>
-          <p:cNvPr id="1026" name="Picture 2" descr="C:\Users\user\Pictures\Code1.PNG"/>
-          <p:cNvPicPr>
-            <a:picLocks noChangeAspect="1" noChangeArrowheads="1"/>
-          </p:cNvPicPr>
-          <p:nvPr/>
-        </p:nvPicPr>
-        <p:blipFill>
-          <a:blip r:embed="rId3">
-            <a:extLst>
-              <a:ext uri="{28A0092B-C50C-407E-A947-70E740481C1C}">
-                <a14:useLocalDpi xmlns:a14="http://schemas.microsoft.com/office/drawing/2010/main" val="0"/>
-              </a:ext>
-            </a:extLst>
-          </a:blip>
-          <a:srcRect/>
-          <a:stretch>
-            <a:fillRect/>
-          </a:stretch>
-        </p:blipFill>
-        <p:spPr bwMode="auto">
-          <a:xfrm>
-            <a:off x="2090871" y="2344616"/>
-            <a:ext cx="7709621" cy="4108788"/>
-          </a:xfrm>
-          <a:prstGeom prst="rect">
-            <a:avLst/>
-          </a:prstGeom>
-          <a:solidFill>
-            <a:srgbClr val="FFFFFF">
-              <a:shade val="85000"/>
-            </a:srgbClr>
-          </a:solidFill>
-          <a:ln w="88900" cap="sq">
-            <a:solidFill>
-              <a:srgbClr val="FFFFFF"/>
-            </a:solidFill>
-            <a:miter lim="800000"/>
-          </a:ln>
-          <a:effectLst>
-            <a:outerShdw blurRad="55000" dist="18000" dir="5400000" algn="tl" rotWithShape="0">
-              <a:srgbClr val="000000">
-                <a:alpha val="40000"/>
-              </a:srgbClr>
-            </a:outerShdw>
-          </a:effectLst>
-          <a:scene3d>
-            <a:camera prst="orthographicFront"/>
-            <a:lightRig rig="twoPt" dir="t">
-              <a:rot lat="0" lon="0" rev="7200000"/>
-            </a:lightRig>
-          </a:scene3d>
-          <a:sp3d>
-            <a:bevelT w="25400" h="19050"/>
-            <a:contourClr>
-              <a:srgbClr val="FFFFFF"/>
-            </a:contourClr>
-          </a:sp3d>
-          <a:extLst>
-            <a:ext uri="{909E8E84-426E-40DD-AFC4-6F175D3DCCD1}">
-              <a14:hiddenFill xmlns:a14="http://schemas.microsoft.com/office/drawing/2010/main">
-                <a:solidFill>
-                  <a:srgbClr val="FFFFFF"/>
-                </a:solidFill>
-              </a14:hiddenFill>
-            </a:ext>
-          </a:extLst>
-        </p:spPr>
-      </p:pic>
+            <a:r>
+              <a:rPr lang="en-GB" b="1" dirty="0"/>
+              <a:t>JavaScript</a:t>
+            </a:r>
+            <a:r>
+              <a:rPr lang="en-GB" dirty="0"/>
+              <a:t>: Adds interactivity and functionality to the planner.</a:t>
+            </a:r>
+          </a:p>
+          <a:p>
+            <a:r>
+              <a:rPr lang="en-GB" b="1" dirty="0"/>
+              <a:t>Role</a:t>
+            </a:r>
+            <a:r>
+              <a:rPr lang="en-GB" dirty="0"/>
+              <a:t>: Manages task creation, editing, deletion, and reminders.</a:t>
+            </a:r>
+          </a:p>
+          <a:p>
+            <a:r>
+              <a:rPr lang="en-GB" b="1" dirty="0"/>
+              <a:t>Key Features</a:t>
+            </a:r>
+            <a:r>
+              <a:rPr lang="en-GB" dirty="0"/>
+              <a:t>:</a:t>
+            </a:r>
+          </a:p>
+          <a:p>
+            <a:pPr lvl="1"/>
+            <a:r>
+              <a:rPr lang="en-GB" dirty="0"/>
+              <a:t>Add/Remove tasks dynamically</a:t>
+            </a:r>
+          </a:p>
+          <a:p>
+            <a:pPr lvl="1"/>
+            <a:r>
+              <a:rPr lang="en-GB" dirty="0"/>
+              <a:t>Update progress in real-time</a:t>
+            </a:r>
+          </a:p>
+          <a:p>
+            <a:pPr lvl="1"/>
+            <a:r>
+              <a:rPr lang="en-GB" dirty="0"/>
+              <a:t>Filter and sort tasks by priority/deadline</a:t>
+            </a:r>
+          </a:p>
+          <a:p>
+            <a:pPr lvl="1"/>
+            <a:r>
+              <a:rPr lang="en-GB" dirty="0"/>
+              <a:t>Event listeners for buttons and inputs</a:t>
+            </a:r>
+          </a:p>
+          <a:p>
+            <a:endParaRPr lang="en-IN" dirty="0"/>
+          </a:p>
+        </p:txBody>
+      </p:sp>
     </p:spTree>
     <p:extLst>
       <p:ext uri="{BB962C8B-B14F-4D97-AF65-F5344CB8AC3E}">
-        <p14:creationId xmlns:p14="http://schemas.microsoft.com/office/powerpoint/2010/main" val="1483293388"/>
+        <p14:creationId xmlns:p14="http://schemas.microsoft.com/office/powerpoint/2010/main" val="1602475382"/>
       </p:ext>
     </p:extLst>
   </p:cSld>
   <p:clrMapOvr>
     <a:masterClrMapping/>
   </p:clrMapOvr>
-  <p:timing>
-    <p:tnLst>
-      <p:par>
-        <p:cTn id="1" dur="indefinite" restart="never" nodeType="tmRoot"/>
-      </p:par>
-    </p:tnLst>
-  </p:timing>
 </p:sld>
 </file>
 
@@ -6596,98 +7445,120 @@
             <p:ph type="title"/>
           </p:nvPr>
         </p:nvSpPr>
+        <p:spPr>
+          <a:xfrm>
+            <a:off x="581192" y="923829"/>
+            <a:ext cx="11029616" cy="530296"/>
+          </a:xfrm>
+        </p:spPr>
+        <p:txBody>
+          <a:bodyPr>
+            <a:normAutofit fontScale="90000"/>
+          </a:bodyPr>
+          <a:lstStyle/>
+          <a:p>
+            <a:r>
+              <a:rPr lang="en-IN" b="1" dirty="0"/>
+              <a:t>Data Storage:</a:t>
+            </a:r>
+            <a:r>
+              <a:rPr lang="en-IN" dirty="0"/>
+              <a:t> Browser Local Storage (no database required)</a:t>
+            </a:r>
+            <a:br>
+              <a:rPr lang="en-IN" dirty="0"/>
+            </a:br>
+            <a:endParaRPr lang="en-IN" dirty="0"/>
+          </a:p>
+        </p:txBody>
+      </p:sp>
+      <p:sp>
+        <p:nvSpPr>
+          <p:cNvPr id="3" name="Content Placeholder 2"/>
+          <p:cNvSpPr>
+            <a:spLocks noGrp="1"/>
+          </p:cNvSpPr>
+          <p:nvPr>
+            <p:ph idx="1"/>
+          </p:nvPr>
+        </p:nvSpPr>
         <p:spPr/>
         <p:txBody>
           <a:bodyPr/>
           <a:lstStyle/>
           <a:p>
             <a:r>
-              <a:rPr lang="en-GB" dirty="0" smtClean="0"/>
-              <a:t>Code 2</a:t>
-            </a:r>
+              <a:rPr lang="en-GB" b="1" dirty="0"/>
+              <a:t>Local Storage</a:t>
+            </a:r>
+            <a:r>
+              <a:rPr lang="en-GB" dirty="0"/>
+              <a:t>: Stores data in the browser itself.</a:t>
+            </a:r>
+          </a:p>
+          <a:p>
+            <a:r>
+              <a:rPr lang="en-GB" b="1" dirty="0"/>
+              <a:t>Role</a:t>
+            </a:r>
+            <a:r>
+              <a:rPr lang="en-GB" dirty="0"/>
+              <a:t>: Ensures study goals and tasks are saved even after refreshing.</a:t>
+            </a:r>
+          </a:p>
+          <a:p>
+            <a:r>
+              <a:rPr lang="en-GB" b="1" dirty="0"/>
+              <a:t>Advantages</a:t>
+            </a:r>
+            <a:r>
+              <a:rPr lang="en-GB" dirty="0"/>
+              <a:t>:</a:t>
+            </a:r>
+          </a:p>
+          <a:p>
+            <a:r>
+              <a:rPr lang="en-GB" dirty="0"/>
+              <a:t>No database required</a:t>
+            </a:r>
+          </a:p>
+          <a:p>
+            <a:r>
+              <a:rPr lang="en-GB" dirty="0"/>
+              <a:t>Fast read/write operations</a:t>
+            </a:r>
+          </a:p>
+          <a:p>
+            <a:r>
+              <a:rPr lang="en-GB" dirty="0"/>
+              <a:t>Persistent across sessions on the same device</a:t>
+            </a:r>
+          </a:p>
+          <a:p>
+            <a:r>
+              <a:rPr lang="en-GB" b="1" dirty="0"/>
+              <a:t>Usage in Planner</a:t>
+            </a:r>
+            <a:r>
+              <a:rPr lang="en-GB" dirty="0"/>
+              <a:t>: Saves tasks, user settings, and progress history.</a:t>
+            </a:r>
+          </a:p>
+          <a:p>
             <a:endParaRPr lang="en-IN" dirty="0"/>
           </a:p>
         </p:txBody>
       </p:sp>
-      <p:pic>
-        <p:nvPicPr>
-          <p:cNvPr id="4" name="Content Placeholder 3"/>
-          <p:cNvPicPr>
-            <a:picLocks noGrp="1" noChangeAspect="1"/>
-          </p:cNvPicPr>
-          <p:nvPr>
-            <p:ph idx="1"/>
-          </p:nvPr>
-        </p:nvPicPr>
-        <p:blipFill>
-          <a:blip r:embed="rId2">
-            <a:extLst>
-              <a:ext uri="{28A0092B-C50C-407E-A947-70E740481C1C}">
-                <a14:useLocalDpi xmlns:a14="http://schemas.microsoft.com/office/drawing/2010/main" val="0"/>
-              </a:ext>
-            </a:extLst>
-          </a:blip>
-          <a:stretch>
-            <a:fillRect/>
-          </a:stretch>
-        </p:blipFill>
-        <p:spPr>
-          <a:xfrm>
-            <a:off x="1224936" y="1231412"/>
-            <a:ext cx="9302387" cy="4964451"/>
-          </a:xfrm>
-          <a:prstGeom prst="rect">
-            <a:avLst/>
-          </a:prstGeom>
-          <a:solidFill>
-            <a:srgbClr val="FFFFFF">
-              <a:shade val="85000"/>
-            </a:srgbClr>
-          </a:solidFill>
-          <a:ln w="88900" cap="sq">
-            <a:solidFill>
-              <a:srgbClr val="FFFFFF"/>
-            </a:solidFill>
-            <a:miter lim="800000"/>
-          </a:ln>
-          <a:effectLst>
-            <a:outerShdw blurRad="55000" dist="18000" dir="5400000" algn="tl" rotWithShape="0">
-              <a:srgbClr val="000000">
-                <a:alpha val="40000"/>
-              </a:srgbClr>
-            </a:outerShdw>
-          </a:effectLst>
-          <a:scene3d>
-            <a:camera prst="orthographicFront"/>
-            <a:lightRig rig="twoPt" dir="t">
-              <a:rot lat="0" lon="0" rev="7200000"/>
-            </a:lightRig>
-          </a:scene3d>
-          <a:sp3d>
-            <a:bevelT w="25400" h="19050"/>
-            <a:contourClr>
-              <a:srgbClr val="FFFFFF"/>
-            </a:contourClr>
-          </a:sp3d>
-        </p:spPr>
-      </p:pic>
     </p:spTree>
     <p:extLst>
       <p:ext uri="{BB962C8B-B14F-4D97-AF65-F5344CB8AC3E}">
-        <p14:creationId xmlns:p14="http://schemas.microsoft.com/office/powerpoint/2010/main" val="3011974417"/>
+        <p14:creationId xmlns:p14="http://schemas.microsoft.com/office/powerpoint/2010/main" val="4126722702"/>
       </p:ext>
     </p:extLst>
   </p:cSld>
   <p:clrMapOvr>
     <a:masterClrMapping/>
   </p:clrMapOvr>
-  <p:timing>
-    <p:tnLst>
-      <p:par>
-        <p:cTn id="1" dur="indefinite" restart="never" nodeType="tmRoot"/>
-      </p:par>
-    </p:tnLst>
-  </p:timing>
 </p:sld>
 </file>
 
@@ -6724,10 +7595,9 @@
           <a:lstStyle/>
           <a:p>
             <a:r>
-              <a:rPr lang="en-GB" dirty="0" smtClean="0"/>
-              <a:t>Output 1</a:t>
-            </a:r>
-            <a:endParaRPr lang="en-IN" dirty="0"/>
+              <a:rPr lang="en-IN" dirty="0"/>
+              <a:t>Visualization (Chart.js)</a:t>
+            </a:r>
           </a:p>
         </p:txBody>
       </p:sp>
@@ -6746,97 +7616,81 @@
           <a:bodyPr/>
           <a:lstStyle/>
           <a:p>
+            <a:r>
+              <a:rPr lang="en-GB" b="1" dirty="0"/>
+              <a:t>Chart.js</a:t>
+            </a:r>
+            <a:r>
+              <a:rPr lang="en-GB" dirty="0"/>
+              <a:t>: A lightweight JavaScript library for data visualization.</a:t>
+            </a:r>
+          </a:p>
+          <a:p>
+            <a:r>
+              <a:rPr lang="en-GB" b="1" dirty="0"/>
+              <a:t>Role</a:t>
+            </a:r>
+            <a:r>
+              <a:rPr lang="en-GB" dirty="0"/>
+              <a:t>: Shows progress and performance visually.</a:t>
+            </a:r>
+          </a:p>
+          <a:p>
+            <a:r>
+              <a:rPr lang="en-GB" b="1" dirty="0"/>
+              <a:t>Key Features</a:t>
+            </a:r>
+            <a:r>
+              <a:rPr lang="en-GB" dirty="0"/>
+              <a:t>:</a:t>
+            </a:r>
+          </a:p>
+          <a:p>
+            <a:pPr lvl="1"/>
+            <a:r>
+              <a:rPr lang="en-GB" dirty="0"/>
+              <a:t>Pie charts for task completion status</a:t>
+            </a:r>
+          </a:p>
+          <a:p>
+            <a:pPr lvl="1"/>
+            <a:r>
+              <a:rPr lang="en-GB" dirty="0"/>
+              <a:t>Line charts for progress over time</a:t>
+            </a:r>
+          </a:p>
+          <a:p>
+            <a:pPr lvl="1"/>
+            <a:r>
+              <a:rPr lang="en-GB" dirty="0"/>
+              <a:t>Bar charts for subject/topic tracking</a:t>
+            </a:r>
+          </a:p>
+          <a:p>
+            <a:r>
+              <a:rPr lang="en-GB" b="1" dirty="0"/>
+              <a:t>Benefit</a:t>
+            </a:r>
+            <a:r>
+              <a:rPr lang="en-GB" dirty="0"/>
+              <a:t>: Helps students see trends and stay motivated.</a:t>
+            </a:r>
+          </a:p>
+          <a:p>
             <a:endParaRPr lang="en-IN" dirty="0"/>
           </a:p>
         </p:txBody>
       </p:sp>
-      <p:pic>
-        <p:nvPicPr>
-          <p:cNvPr id="2050" name="Picture 2" descr="C:\Users\user\Pictures\Output 1.jpg"/>
-          <p:cNvPicPr>
-            <a:picLocks noChangeAspect="1" noChangeArrowheads="1"/>
-          </p:cNvPicPr>
-          <p:nvPr/>
-        </p:nvPicPr>
-        <p:blipFill>
-          <a:blip r:embed="rId2">
-            <a:extLst>
-              <a:ext uri="{28A0092B-C50C-407E-A947-70E740481C1C}">
-                <a14:useLocalDpi xmlns:a14="http://schemas.microsoft.com/office/drawing/2010/main" val="0"/>
-              </a:ext>
-            </a:extLst>
-          </a:blip>
-          <a:srcRect/>
-          <a:stretch>
-            <a:fillRect/>
-          </a:stretch>
-        </p:blipFill>
-        <p:spPr bwMode="auto">
-          <a:xfrm>
-            <a:off x="1286746" y="1323178"/>
-            <a:ext cx="9146794" cy="4908199"/>
-          </a:xfrm>
-          <a:prstGeom prst="rect">
-            <a:avLst/>
-          </a:prstGeom>
-          <a:solidFill>
-            <a:srgbClr val="FFFFFF">
-              <a:shade val="85000"/>
-            </a:srgbClr>
-          </a:solidFill>
-          <a:ln w="88900" cap="sq">
-            <a:solidFill>
-              <a:srgbClr val="FFFFFF"/>
-            </a:solidFill>
-            <a:miter lim="800000"/>
-          </a:ln>
-          <a:effectLst>
-            <a:outerShdw blurRad="55000" dist="18000" dir="5400000" algn="tl" rotWithShape="0">
-              <a:srgbClr val="000000">
-                <a:alpha val="40000"/>
-              </a:srgbClr>
-            </a:outerShdw>
-          </a:effectLst>
-          <a:scene3d>
-            <a:camera prst="orthographicFront"/>
-            <a:lightRig rig="twoPt" dir="t">
-              <a:rot lat="0" lon="0" rev="7200000"/>
-            </a:lightRig>
-          </a:scene3d>
-          <a:sp3d>
-            <a:bevelT w="25400" h="19050"/>
-            <a:contourClr>
-              <a:srgbClr val="FFFFFF"/>
-            </a:contourClr>
-          </a:sp3d>
-          <a:extLst>
-            <a:ext uri="{909E8E84-426E-40DD-AFC4-6F175D3DCCD1}">
-              <a14:hiddenFill xmlns:a14="http://schemas.microsoft.com/office/drawing/2010/main">
-                <a:solidFill>
-                  <a:srgbClr val="FFFFFF"/>
-                </a:solidFill>
-              </a14:hiddenFill>
-            </a:ext>
-          </a:extLst>
-        </p:spPr>
-      </p:pic>
     </p:spTree>
     <p:extLst>
       <p:ext uri="{BB962C8B-B14F-4D97-AF65-F5344CB8AC3E}">
-        <p14:creationId xmlns:p14="http://schemas.microsoft.com/office/powerpoint/2010/main" val="1789937050"/>
+        <p14:creationId xmlns:p14="http://schemas.microsoft.com/office/powerpoint/2010/main" val="4143304799"/>
       </p:ext>
     </p:extLst>
   </p:cSld>
   <p:clrMapOvr>
     <a:masterClrMapping/>
   </p:clrMapOvr>
-  <p:timing>
-    <p:tnLst>
-      <p:par>
-        <p:cTn id="1" dur="indefinite" restart="never" nodeType="tmRoot"/>
-      </p:par>
-    </p:tnLst>
-  </p:timing>
 </p:sld>
 </file>
 
@@ -6873,10 +7727,9 @@
           <a:lstStyle/>
           <a:p>
             <a:r>
-              <a:rPr lang="en-GB" dirty="0" smtClean="0"/>
-              <a:t>Output 2</a:t>
-            </a:r>
-            <a:endParaRPr lang="en-IN" dirty="0"/>
+              <a:rPr lang="en-IN" dirty="0"/>
+              <a:t>UI/UX Enhancements</a:t>
+            </a:r>
           </a:p>
         </p:txBody>
       </p:sp>
@@ -6895,97 +7748,65 @@
           <a:bodyPr/>
           <a:lstStyle/>
           <a:p>
-            <a:endParaRPr lang="en-IN"/>
-          </a:p>
-        </p:txBody>
-      </p:sp>
-      <p:pic>
-        <p:nvPicPr>
-          <p:cNvPr id="3074" name="Picture 2" descr="C:\Users\user\Pictures\Output 2.jpg"/>
-          <p:cNvPicPr>
-            <a:picLocks noChangeAspect="1" noChangeArrowheads="1"/>
-          </p:cNvPicPr>
-          <p:nvPr/>
-        </p:nvPicPr>
-        <p:blipFill>
-          <a:blip r:embed="rId2">
-            <a:extLst>
-              <a:ext uri="{28A0092B-C50C-407E-A947-70E740481C1C}">
-                <a14:useLocalDpi xmlns:a14="http://schemas.microsoft.com/office/drawing/2010/main" val="0"/>
-              </a:ext>
-            </a:extLst>
-          </a:blip>
-          <a:srcRect/>
-          <a:stretch>
-            <a:fillRect/>
-          </a:stretch>
-        </p:blipFill>
-        <p:spPr bwMode="auto">
-          <a:xfrm>
-            <a:off x="1336693" y="1312984"/>
-            <a:ext cx="9190629" cy="4884624"/>
-          </a:xfrm>
-          <a:prstGeom prst="rect">
-            <a:avLst/>
-          </a:prstGeom>
-          <a:solidFill>
-            <a:srgbClr val="FFFFFF">
-              <a:shade val="85000"/>
-            </a:srgbClr>
-          </a:solidFill>
-          <a:ln w="88900" cap="sq">
-            <a:solidFill>
-              <a:srgbClr val="FFFFFF"/>
-            </a:solidFill>
-            <a:miter lim="800000"/>
-          </a:ln>
-          <a:effectLst>
-            <a:outerShdw blurRad="55000" dist="18000" dir="5400000" algn="tl" rotWithShape="0">
-              <a:srgbClr val="000000">
-                <a:alpha val="40000"/>
-              </a:srgbClr>
-            </a:outerShdw>
-          </a:effectLst>
-          <a:scene3d>
-            <a:camera prst="orthographicFront"/>
-            <a:lightRig rig="twoPt" dir="t">
-              <a:rot lat="0" lon="0" rev="7200000"/>
-            </a:lightRig>
-          </a:scene3d>
-          <a:sp3d>
-            <a:bevelT w="25400" h="19050"/>
-            <a:contourClr>
-              <a:srgbClr val="FFFFFF"/>
-            </a:contourClr>
-          </a:sp3d>
-          <a:extLst>
-            <a:ext uri="{909E8E84-426E-40DD-AFC4-6F175D3DCCD1}">
-              <a14:hiddenFill xmlns:a14="http://schemas.microsoft.com/office/drawing/2010/main">
-                <a:solidFill>
-                  <a:srgbClr val="FFFFFF"/>
-                </a:solidFill>
-              </a14:hiddenFill>
-            </a:ext>
-          </a:extLst>
-        </p:spPr>
-      </p:pic>
+            <a:r>
+              <a:rPr lang="en-IN" b="1" dirty="0"/>
+              <a:t>Font Awesome Icons</a:t>
+            </a:r>
+            <a:r>
+              <a:rPr lang="en-IN" dirty="0"/>
+              <a:t>: Used for buttons (add, delete, edit) and navigation.</a:t>
+            </a:r>
+          </a:p>
+          <a:p>
+            <a:r>
+              <a:rPr lang="en-IN" b="1" dirty="0"/>
+              <a:t>Animations</a:t>
+            </a:r>
+            <a:r>
+              <a:rPr lang="en-IN" dirty="0"/>
+              <a:t>: Smooth transitions for task updates, modals, and progress changes.</a:t>
+            </a:r>
+          </a:p>
+          <a:p>
+            <a:r>
+              <a:rPr lang="en-IN" b="1" dirty="0"/>
+              <a:t>Interactive Templates</a:t>
+            </a:r>
+            <a:r>
+              <a:rPr lang="en-IN" dirty="0"/>
+              <a:t>: Different themes like Workspace, Night Owl, Coffee Shop.</a:t>
+            </a:r>
+          </a:p>
+          <a:p>
+            <a:r>
+              <a:rPr lang="en-IN" b="1" dirty="0"/>
+              <a:t>Goal</a:t>
+            </a:r>
+            <a:r>
+              <a:rPr lang="en-IN" dirty="0"/>
+              <a:t>: Make the app </a:t>
+            </a:r>
+            <a:r>
+              <a:rPr lang="en-IN" b="1" dirty="0"/>
+              <a:t>engaging and user-friendly</a:t>
+            </a:r>
+            <a:r>
+              <a:rPr lang="en-IN" dirty="0"/>
+              <a:t>.</a:t>
+            </a:r>
+          </a:p>
+        </p:txBody>
+      </p:sp>
     </p:spTree>
     <p:extLst>
       <p:ext uri="{BB962C8B-B14F-4D97-AF65-F5344CB8AC3E}">
-        <p14:creationId xmlns:p14="http://schemas.microsoft.com/office/powerpoint/2010/main" val="2209116958"/>
+        <p14:creationId xmlns:p14="http://schemas.microsoft.com/office/powerpoint/2010/main" val="2407474218"/>
       </p:ext>
     </p:extLst>
   </p:cSld>
   <p:clrMapOvr>
     <a:masterClrMapping/>
   </p:clrMapOvr>
-  <p:timing>
-    <p:tnLst>
-      <p:par>
-        <p:cTn id="1" dur="indefinite" restart="never" nodeType="tmRoot"/>
-      </p:par>
-    </p:tnLst>
-  </p:timing>
 </p:sld>
 </file>
 
@@ -7252,7 +8073,7 @@
   <a:extraClrSchemeLst/>
   <a:extLst>
     <a:ext uri="{05A4C25C-085E-4340-85A3-A5531E510DB2}">
-      <thm15:themeFamily xmlns:thm15="http://schemas.microsoft.com/office/thememl/2012/main" xmlns="" name="DividendVTI" id="{97558BDE-0B66-457C-BB6F-7B1B22DAA9B8}" vid="{F53508A3-AC60-448A-AF37-934D5F1A0D5E}"/>
+      <thm15:themeFamily xmlns="" xmlns:thm15="http://schemas.microsoft.com/office/thememl/2012/main" name="DividendVTI" id="{97558BDE-0B66-457C-BB6F-7B1B22DAA9B8}" vid="{F53508A3-AC60-448A-AF37-934D5F1A0D5E}"/>
     </a:ext>
   </a:extLst>
 </a:theme>
@@ -7547,31 +8368,13 @@
   <a:extraClrSchemeLst/>
   <a:extLst>
     <a:ext uri="{05A4C25C-085E-4340-85A3-A5531E510DB2}">
-      <thm15:themeFamily xmlns:thm15="http://schemas.microsoft.com/office/thememl/2012/main" xmlns="" name="Office Theme" id="{62F939B6-93AF-4DB8-9C6B-D6C7DFDC589F}" vid="{4A3C46E8-61CC-4603-A589-7422A47A8E4A}"/>
+      <thm15:themeFamily xmlns="" xmlns:thm15="http://schemas.microsoft.com/office/thememl/2012/main" name="Office Theme" id="{62F939B6-93AF-4DB8-9C6B-D6C7DFDC589F}" vid="{4A3C46E8-61CC-4603-A589-7422A47A8E4A}"/>
     </a:ext>
   </a:extLst>
 </a:theme>
 </file>
 
 <file path=customXml/item1.xml><?xml version="1.0" encoding="utf-8"?>
-<?mso-contentType ?>
-<FormTemplates xmlns="http://schemas.microsoft.com/sharepoint/v3/contenttype/forms">
-  <Display>DocumentLibraryForm</Display>
-  <Edit>DocumentLibraryForm</Edit>
-  <New>DocumentLibraryForm</New>
-</FormTemplates>
-</file>
-
-<file path=customXml/item2.xml><?xml version="1.0" encoding="utf-8"?>
-<p:properties xmlns:p="http://schemas.microsoft.com/office/2006/metadata/properties" xmlns:xsi="http://www.w3.org/2001/XMLSchema-instance" xmlns:pc="http://schemas.microsoft.com/office/infopath/2007/PartnerControls">
-  <documentManagement>
-    <MediaServiceKeyPoints xmlns="9162bd5b-4ed9-4da3-b376-05204580ba3f" xsi:nil="true"/>
-    <_activity xmlns="9162bd5b-4ed9-4da3-b376-05204580ba3f" xsi:nil="true"/>
-  </documentManagement>
-</p:properties>
-</file>
-
-<file path=customXml/item3.xml><?xml version="1.0" encoding="utf-8"?>
 <ct:contentTypeSchema xmlns:ct="http://schemas.microsoft.com/office/2006/metadata/contentType" xmlns:ma="http://schemas.microsoft.com/office/2006/metadata/properties/metaAttributes" ct:_="" ma:_="" ma:contentTypeName="Document" ma:contentTypeID="0x0101000F1872188ABCFC48BECA6C87E8AC3285" ma:contentTypeVersion="17" ma:contentTypeDescription="Create a new document." ma:contentTypeScope="" ma:versionID="55a158675e089c6a85ab0f83b89e1a15">
   <xsd:schema xmlns:xsd="http://www.w3.org/2001/XMLSchema" xmlns:xs="http://www.w3.org/2001/XMLSchema" xmlns:p="http://schemas.microsoft.com/office/2006/metadata/properties" xmlns:ns3="9162bd5b-4ed9-4da3-b376-05204580ba3f" xmlns:ns4="c0fa2617-96bd-425d-8578-e93563fe37c5" targetNamespace="http://schemas.microsoft.com/office/2006/metadata/properties" ma:root="true" ma:fieldsID="b35f082308864fa161c4a0a9eca35eff" ns3:_="" ns4:_="">
     <xsd:import namespace="9162bd5b-4ed9-4da3-b376-05204580ba3f"/>
@@ -7818,10 +8621,39 @@
 </ct:contentTypeSchema>
 </file>
 
+<file path=customXml/item2.xml><?xml version="1.0" encoding="utf-8"?>
+<p:properties xmlns:p="http://schemas.microsoft.com/office/2006/metadata/properties" xmlns:xsi="http://www.w3.org/2001/XMLSchema-instance" xmlns:pc="http://schemas.microsoft.com/office/infopath/2007/PartnerControls">
+  <documentManagement>
+    <MediaServiceKeyPoints xmlns="9162bd5b-4ed9-4da3-b376-05204580ba3f" xsi:nil="true"/>
+    <_activity xmlns="9162bd5b-4ed9-4da3-b376-05204580ba3f" xsi:nil="true"/>
+  </documentManagement>
+</p:properties>
+</file>
+
+<file path=customXml/item3.xml><?xml version="1.0" encoding="utf-8"?>
+<?mso-contentType ?>
+<FormTemplates xmlns="http://schemas.microsoft.com/sharepoint/v3/contenttype/forms">
+  <Display>DocumentLibraryForm</Display>
+  <Edit>DocumentLibraryForm</Edit>
+  <New>DocumentLibraryForm</New>
+</FormTemplates>
+</file>
+
 <file path=customXml/itemProps1.xml><?xml version="1.0" encoding="utf-8"?>
-<ds:datastoreItem xmlns:ds="http://schemas.openxmlformats.org/officeDocument/2006/customXml" ds:itemID="{927BD4C1-B6B1-4715-ABF9-E660A51A4EA0}">
+<ds:datastoreItem xmlns:ds="http://schemas.openxmlformats.org/officeDocument/2006/customXml" ds:itemID="{6E816721-11E4-4989-8472-AB5A7EC20404}">
   <ds:schemaRefs>
-    <ds:schemaRef ds:uri="http://schemas.microsoft.com/sharepoint/v3/contenttype/forms"/>
+    <ds:schemaRef ds:uri="9162bd5b-4ed9-4da3-b376-05204580ba3f"/>
+    <ds:schemaRef ds:uri="c0fa2617-96bd-425d-8578-e93563fe37c5"/>
+    <ds:schemaRef ds:uri="http://purl.org/dc/elements/1.1/"/>
+    <ds:schemaRef ds:uri="http://purl.org/dc/terms/"/>
+    <ds:schemaRef ds:uri="http://schemas.microsoft.com/internal/obd"/>
+    <ds:schemaRef ds:uri="http://schemas.microsoft.com/office/2006/documentManagement/types"/>
+    <ds:schemaRef ds:uri="http://schemas.microsoft.com/office/2006/metadata/contentType"/>
+    <ds:schemaRef ds:uri="http://schemas.microsoft.com/office/2006/metadata/properties"/>
+    <ds:schemaRef ds:uri="http://schemas.microsoft.com/office/2006/metadata/properties/metaAttributes"/>
+    <ds:schemaRef ds:uri="http://schemas.microsoft.com/office/infopath/2007/PartnerControls"/>
+    <ds:schemaRef ds:uri="http://schemas.openxmlformats.org/package/2006/metadata/core-properties"/>
+    <ds:schemaRef ds:uri="http://www.w3.org/2001/XMLSchema"/>
   </ds:schemaRefs>
 </ds:datastoreItem>
 </file>
@@ -7844,20 +8676,9 @@
 </file>
 
 <file path=customXml/itemProps3.xml><?xml version="1.0" encoding="utf-8"?>
-<ds:datastoreItem xmlns:ds="http://schemas.openxmlformats.org/officeDocument/2006/customXml" ds:itemID="{6E816721-11E4-4989-8472-AB5A7EC20404}">
+<ds:datastoreItem xmlns:ds="http://schemas.openxmlformats.org/officeDocument/2006/customXml" ds:itemID="{927BD4C1-B6B1-4715-ABF9-E660A51A4EA0}">
   <ds:schemaRefs>
-    <ds:schemaRef ds:uri="9162bd5b-4ed9-4da3-b376-05204580ba3f"/>
-    <ds:schemaRef ds:uri="c0fa2617-96bd-425d-8578-e93563fe37c5"/>
-    <ds:schemaRef ds:uri="http://purl.org/dc/elements/1.1/"/>
-    <ds:schemaRef ds:uri="http://purl.org/dc/terms/"/>
-    <ds:schemaRef ds:uri="http://schemas.microsoft.com/internal/obd"/>
-    <ds:schemaRef ds:uri="http://schemas.microsoft.com/office/2006/documentManagement/types"/>
-    <ds:schemaRef ds:uri="http://schemas.microsoft.com/office/2006/metadata/contentType"/>
-    <ds:schemaRef ds:uri="http://schemas.microsoft.com/office/2006/metadata/properties"/>
-    <ds:schemaRef ds:uri="http://schemas.microsoft.com/office/2006/metadata/properties/metaAttributes"/>
-    <ds:schemaRef ds:uri="http://schemas.microsoft.com/office/infopath/2007/PartnerControls"/>
-    <ds:schemaRef ds:uri="http://schemas.openxmlformats.org/package/2006/metadata/core-properties"/>
-    <ds:schemaRef ds:uri="http://www.w3.org/2001/XMLSchema"/>
+    <ds:schemaRef ds:uri="http://schemas.microsoft.com/sharepoint/v3/contenttype/forms"/>
   </ds:schemaRefs>
 </ds:datastoreItem>
 </file>